--- a/HTML1回目.pptx
+++ b/HTML1回目.pptx
@@ -9,7 +9,7 @@
     <p:sldId id="257" r:id="rId3"/>
   </p:sldIdLst>
   <p:sldSz cx="6858000" cy="9906000" type="A4"/>
-  <p:notesSz cx="6858000" cy="9144000"/>
+  <p:notesSz cx="6797675" cy="9926638"/>
   <p:defaultTextStyle>
     <a:defPPr>
       <a:defRPr lang="ja-JP"/>
@@ -4527,6 +4527,386 @@
           <a:chExt cx="0" cy="0"/>
         </a:xfrm>
       </p:grpSpPr>
+      <p:sp>
+        <p:nvSpPr>
+          <p:cNvPr id="2" name="テキスト ボックス 1"/>
+          <p:cNvSpPr txBox="1"/>
+          <p:nvPr/>
+        </p:nvSpPr>
+        <p:spPr>
+          <a:xfrm>
+            <a:off x="116632" y="57260"/>
+            <a:ext cx="6624736" cy="369332"/>
+          </a:xfrm>
+          <a:prstGeom prst="rect">
+            <a:avLst/>
+          </a:prstGeom>
+          <a:solidFill>
+            <a:schemeClr val="accent6">
+              <a:lumMod val="20000"/>
+              <a:lumOff val="80000"/>
+            </a:schemeClr>
+          </a:solidFill>
+        </p:spPr>
+        <p:txBody>
+          <a:bodyPr wrap="square" rtlCol="0">
+            <a:spAutoFit/>
+          </a:bodyPr>
+          <a:lstStyle/>
+          <a:p>
+            <a:r>
+              <a:rPr kumimoji="1" lang="ja-JP" altLang="en-US" dirty="0" smtClean="0">
+                <a:latin typeface="HG丸ｺﾞｼｯｸM-PRO" panose="020F0600000000000000" pitchFamily="50" charset="-128"/>
+                <a:ea typeface="HG丸ｺﾞｼｯｸM-PRO" panose="020F0600000000000000" pitchFamily="50" charset="-128"/>
+              </a:rPr>
+              <a:t>実習　最初の</a:t>
+            </a:r>
+            <a:r>
+              <a:rPr kumimoji="1" lang="en-US" altLang="ja-JP" dirty="0" smtClean="0">
+                <a:latin typeface="HG丸ｺﾞｼｯｸM-PRO" panose="020F0600000000000000" pitchFamily="50" charset="-128"/>
+                <a:ea typeface="HG丸ｺﾞｼｯｸM-PRO" panose="020F0600000000000000" pitchFamily="50" charset="-128"/>
+              </a:rPr>
+              <a:t>WEB</a:t>
+            </a:r>
+            <a:r>
+              <a:rPr kumimoji="1" lang="ja-JP" altLang="en-US" dirty="0" smtClean="0">
+                <a:latin typeface="HG丸ｺﾞｼｯｸM-PRO" panose="020F0600000000000000" pitchFamily="50" charset="-128"/>
+                <a:ea typeface="HG丸ｺﾞｼｯｸM-PRO" panose="020F0600000000000000" pitchFamily="50" charset="-128"/>
+              </a:rPr>
+              <a:t>ページを作る</a:t>
+            </a:r>
+            <a:endParaRPr kumimoji="1" lang="ja-JP" altLang="en-US" dirty="0">
+              <a:latin typeface="HG丸ｺﾞｼｯｸM-PRO" panose="020F0600000000000000" pitchFamily="50" charset="-128"/>
+              <a:ea typeface="HG丸ｺﾞｼｯｸM-PRO" panose="020F0600000000000000" pitchFamily="50" charset="-128"/>
+            </a:endParaRPr>
+          </a:p>
+        </p:txBody>
+      </p:sp>
+      <p:sp>
+        <p:nvSpPr>
+          <p:cNvPr id="3" name="テキスト ボックス 2"/>
+          <p:cNvSpPr txBox="1"/>
+          <p:nvPr/>
+        </p:nvSpPr>
+        <p:spPr>
+          <a:xfrm>
+            <a:off x="131882" y="416496"/>
+            <a:ext cx="6609486" cy="9356408"/>
+          </a:xfrm>
+          <a:prstGeom prst="rect">
+            <a:avLst/>
+          </a:prstGeom>
+          <a:noFill/>
+        </p:spPr>
+        <p:txBody>
+          <a:bodyPr wrap="square" rtlCol="0">
+            <a:spAutoFit/>
+          </a:bodyPr>
+          <a:lstStyle/>
+          <a:p>
+            <a:r>
+              <a:rPr kumimoji="1" lang="ja-JP" altLang="en-US" sz="1400" dirty="0" smtClean="0"/>
+              <a:t>■次の</a:t>
+            </a:r>
+            <a:r>
+              <a:rPr kumimoji="1" lang="en-US" altLang="ja-JP" sz="1400" dirty="0" smtClean="0"/>
+              <a:t>WEB</a:t>
+            </a:r>
+            <a:r>
+              <a:rPr kumimoji="1" lang="ja-JP" altLang="en-US" sz="1400" dirty="0" smtClean="0"/>
+              <a:t>ページを作ろう</a:t>
+            </a:r>
+            <a:endParaRPr kumimoji="1" lang="en-US" altLang="ja-JP" sz="1400" dirty="0" smtClean="0"/>
+          </a:p>
+          <a:p>
+            <a:r>
+              <a:rPr lang="ja-JP" altLang="en-US" sz="1400" dirty="0"/>
+              <a:t>　</a:t>
+            </a:r>
+            <a:r>
+              <a:rPr lang="en-US" altLang="ja-JP" sz="1400" dirty="0" smtClean="0"/>
+              <a:t>【</a:t>
+            </a:r>
+            <a:r>
+              <a:rPr lang="ja-JP" altLang="en-US" sz="1400" dirty="0" smtClean="0"/>
+              <a:t>挿入する画像</a:t>
+            </a:r>
+            <a:r>
+              <a:rPr lang="en-US" altLang="ja-JP" sz="1400" dirty="0" smtClean="0"/>
+              <a:t>】</a:t>
+            </a:r>
+          </a:p>
+          <a:p>
+            <a:r>
+              <a:rPr kumimoji="1" lang="ja-JP" altLang="en-US" sz="1400" dirty="0"/>
+              <a:t>　</a:t>
+            </a:r>
+            <a:r>
+              <a:rPr kumimoji="1" lang="en-US" altLang="ja-JP" sz="1400" dirty="0" err="1" smtClean="0"/>
+              <a:t>sozai</a:t>
+            </a:r>
+            <a:r>
+              <a:rPr kumimoji="1" lang="en-US" altLang="ja-JP" sz="1400" dirty="0" smtClean="0"/>
+              <a:t>/1.jpg	</a:t>
+            </a:r>
+            <a:r>
+              <a:rPr kumimoji="1" lang="ja-JP" altLang="en-US" sz="1400" dirty="0" smtClean="0"/>
+              <a:t>　　　　</a:t>
+            </a:r>
+            <a:r>
+              <a:rPr lang="en-US" altLang="ja-JP" sz="1400" dirty="0" err="1" smtClean="0"/>
+              <a:t>sozai</a:t>
+            </a:r>
+            <a:r>
+              <a:rPr lang="en-US" altLang="ja-JP" sz="1400" dirty="0" smtClean="0"/>
+              <a:t>/2.jpg</a:t>
+            </a:r>
+            <a:r>
+              <a:rPr lang="ja-JP" altLang="en-US" sz="1400" dirty="0" smtClean="0"/>
+              <a:t>　　　　</a:t>
+            </a:r>
+            <a:r>
+              <a:rPr kumimoji="1" lang="en-US" altLang="ja-JP" sz="1400" dirty="0" err="1" smtClean="0"/>
+              <a:t>sozai</a:t>
+            </a:r>
+            <a:r>
+              <a:rPr kumimoji="1" lang="en-US" altLang="ja-JP" sz="1400" dirty="0" smtClean="0"/>
+              <a:t>/3.jpg</a:t>
+            </a:r>
+            <a:r>
+              <a:rPr kumimoji="1" lang="ja-JP" altLang="en-US" sz="1400" dirty="0" smtClean="0"/>
+              <a:t>　　　　</a:t>
+            </a:r>
+            <a:r>
+              <a:rPr lang="en-US" altLang="ja-JP" sz="1400" dirty="0" err="1" smtClean="0"/>
+              <a:t>sozai</a:t>
+            </a:r>
+            <a:r>
+              <a:rPr lang="en-US" altLang="ja-JP" sz="1400" dirty="0" smtClean="0"/>
+              <a:t>/4.jpg</a:t>
+            </a:r>
+            <a:endParaRPr kumimoji="1" lang="en-US" altLang="ja-JP" sz="1400" dirty="0" smtClean="0"/>
+          </a:p>
+          <a:p>
+            <a:r>
+              <a:rPr lang="ja-JP" altLang="en-US" sz="1400" dirty="0"/>
+              <a:t>　</a:t>
+            </a:r>
+            <a:endParaRPr lang="en-US" altLang="ja-JP" sz="1400" dirty="0" smtClean="0"/>
+          </a:p>
+          <a:p>
+            <a:endParaRPr kumimoji="1" lang="en-US" altLang="ja-JP" sz="1400" dirty="0" smtClean="0"/>
+          </a:p>
+          <a:p>
+            <a:endParaRPr lang="en-US" altLang="ja-JP" sz="1400" dirty="0"/>
+          </a:p>
+          <a:p>
+            <a:endParaRPr kumimoji="1" lang="en-US" altLang="ja-JP" sz="1400" dirty="0" smtClean="0"/>
+          </a:p>
+          <a:p>
+            <a:endParaRPr lang="en-US" altLang="ja-JP" sz="1400" dirty="0"/>
+          </a:p>
+          <a:p>
+            <a:endParaRPr kumimoji="1" lang="en-US" altLang="ja-JP" sz="1400" dirty="0" smtClean="0"/>
+          </a:p>
+          <a:p>
+            <a:endParaRPr lang="en-US" altLang="ja-JP" sz="1400" dirty="0"/>
+          </a:p>
+          <a:p>
+            <a:endParaRPr kumimoji="1" lang="en-US" altLang="ja-JP" sz="1400" dirty="0" smtClean="0"/>
+          </a:p>
+          <a:p>
+            <a:endParaRPr lang="en-US" altLang="ja-JP" sz="1400" dirty="0"/>
+          </a:p>
+          <a:p>
+            <a:endParaRPr kumimoji="1" lang="en-US" altLang="ja-JP" sz="1400" dirty="0" smtClean="0"/>
+          </a:p>
+          <a:p>
+            <a:endParaRPr lang="en-US" altLang="ja-JP" sz="1400" dirty="0"/>
+          </a:p>
+          <a:p>
+            <a:endParaRPr kumimoji="1" lang="en-US" altLang="ja-JP" sz="1400" dirty="0" smtClean="0"/>
+          </a:p>
+          <a:p>
+            <a:endParaRPr lang="en-US" altLang="ja-JP" sz="1400" dirty="0"/>
+          </a:p>
+          <a:p>
+            <a:endParaRPr kumimoji="1" lang="en-US" altLang="ja-JP" sz="1400" dirty="0" smtClean="0"/>
+          </a:p>
+          <a:p>
+            <a:endParaRPr lang="en-US" altLang="ja-JP" sz="1400" dirty="0"/>
+          </a:p>
+          <a:p>
+            <a:endParaRPr kumimoji="1" lang="en-US" altLang="ja-JP" sz="1400" dirty="0" smtClean="0"/>
+          </a:p>
+          <a:p>
+            <a:endParaRPr lang="en-US" altLang="ja-JP" sz="1400" dirty="0"/>
+          </a:p>
+          <a:p>
+            <a:endParaRPr kumimoji="1" lang="en-US" altLang="ja-JP" sz="1400" dirty="0" smtClean="0"/>
+          </a:p>
+          <a:p>
+            <a:endParaRPr lang="en-US" altLang="ja-JP" sz="1400" dirty="0"/>
+          </a:p>
+          <a:p>
+            <a:endParaRPr kumimoji="1" lang="en-US" altLang="ja-JP" sz="1400" dirty="0" smtClean="0"/>
+          </a:p>
+          <a:p>
+            <a:endParaRPr lang="en-US" altLang="ja-JP" sz="1400" dirty="0"/>
+          </a:p>
+          <a:p>
+            <a:endParaRPr kumimoji="1" lang="en-US" altLang="ja-JP" sz="1400" dirty="0" smtClean="0"/>
+          </a:p>
+          <a:p>
+            <a:endParaRPr lang="en-US" altLang="ja-JP" sz="1400" dirty="0"/>
+          </a:p>
+          <a:p>
+            <a:endParaRPr kumimoji="1" lang="en-US" altLang="ja-JP" sz="1400" dirty="0" smtClean="0"/>
+          </a:p>
+          <a:p>
+            <a:endParaRPr lang="en-US" altLang="ja-JP" sz="1400" dirty="0"/>
+          </a:p>
+          <a:p>
+            <a:r>
+              <a:rPr kumimoji="1" lang="ja-JP" altLang="en-US" sz="1400" dirty="0" smtClean="0"/>
+              <a:t>■デザインを設定する</a:t>
+            </a:r>
+            <a:endParaRPr kumimoji="1" lang="en-US" altLang="ja-JP" sz="1400" dirty="0" smtClean="0"/>
+          </a:p>
+          <a:p>
+            <a:endParaRPr lang="en-US" altLang="ja-JP" sz="1400" dirty="0"/>
+          </a:p>
+          <a:p>
+            <a:endParaRPr kumimoji="1" lang="en-US" altLang="ja-JP" sz="1400" dirty="0" smtClean="0"/>
+          </a:p>
+          <a:p>
+            <a:endParaRPr lang="en-US" altLang="ja-JP" sz="1400" dirty="0"/>
+          </a:p>
+          <a:p>
+            <a:endParaRPr kumimoji="1" lang="en-US" altLang="ja-JP" sz="1400" dirty="0" smtClean="0"/>
+          </a:p>
+          <a:p>
+            <a:endParaRPr lang="en-US" altLang="ja-JP" sz="1400" dirty="0"/>
+          </a:p>
+          <a:p>
+            <a:endParaRPr kumimoji="1" lang="en-US" altLang="ja-JP" sz="1400" dirty="0" smtClean="0"/>
+          </a:p>
+          <a:p>
+            <a:endParaRPr lang="en-US" altLang="ja-JP" sz="1400" dirty="0"/>
+          </a:p>
+          <a:p>
+            <a:endParaRPr kumimoji="1" lang="en-US" altLang="ja-JP" sz="1400" dirty="0" smtClean="0"/>
+          </a:p>
+          <a:p>
+            <a:endParaRPr lang="en-US" altLang="ja-JP" sz="1400" dirty="0"/>
+          </a:p>
+          <a:p>
+            <a:endParaRPr kumimoji="1" lang="en-US" altLang="ja-JP" sz="1400" dirty="0" smtClean="0"/>
+          </a:p>
+          <a:p>
+            <a:endParaRPr lang="en-US" altLang="ja-JP" sz="1400" dirty="0"/>
+          </a:p>
+          <a:p>
+            <a:endParaRPr kumimoji="1" lang="en-US" altLang="ja-JP" sz="1400" dirty="0" smtClean="0"/>
+          </a:p>
+          <a:p>
+            <a:endParaRPr lang="en-US" altLang="ja-JP" sz="1400" dirty="0"/>
+          </a:p>
+          <a:p>
+            <a:endParaRPr kumimoji="1" lang="ja-JP" altLang="en-US" sz="1400" dirty="0"/>
+          </a:p>
+        </p:txBody>
+      </p:sp>
+      <p:pic>
+        <p:nvPicPr>
+          <p:cNvPr id="4" name="図 3" descr="画面の領域"/>
+          <p:cNvPicPr>
+            <a:picLocks noChangeAspect="1"/>
+          </p:cNvPicPr>
+          <p:nvPr/>
+        </p:nvPicPr>
+        <p:blipFill>
+          <a:blip r:embed="rId2">
+            <a:extLst>
+              <a:ext uri="{28A0092B-C50C-407E-A947-70E740481C1C}">
+                <a14:useLocalDpi xmlns:a14="http://schemas.microsoft.com/office/drawing/2010/main" val="0"/>
+              </a:ext>
+            </a:extLst>
+          </a:blip>
+          <a:stretch>
+            <a:fillRect/>
+          </a:stretch>
+        </p:blipFill>
+        <p:spPr>
+          <a:xfrm>
+            <a:off x="490127" y="1280592"/>
+            <a:ext cx="5877746" cy="5134692"/>
+          </a:xfrm>
+          <a:prstGeom prst="rect">
+            <a:avLst/>
+          </a:prstGeom>
+        </p:spPr>
+      </p:pic>
+      <p:pic>
+        <p:nvPicPr>
+          <p:cNvPr id="5" name="図 4" descr="画面の領域"/>
+          <p:cNvPicPr>
+            <a:picLocks noChangeAspect="1"/>
+          </p:cNvPicPr>
+          <p:nvPr/>
+        </p:nvPicPr>
+        <p:blipFill>
+          <a:blip r:embed="rId3">
+            <a:extLst>
+              <a:ext uri="{28A0092B-C50C-407E-A947-70E740481C1C}">
+                <a14:useLocalDpi xmlns:a14="http://schemas.microsoft.com/office/drawing/2010/main" val="0"/>
+              </a:ext>
+            </a:extLst>
+          </a:blip>
+          <a:stretch>
+            <a:fillRect/>
+          </a:stretch>
+        </p:blipFill>
+        <p:spPr>
+          <a:xfrm>
+            <a:off x="3645024" y="7023176"/>
+            <a:ext cx="3089076" cy="2749727"/>
+          </a:xfrm>
+          <a:prstGeom prst="rect">
+            <a:avLst/>
+          </a:prstGeom>
+        </p:spPr>
+      </p:pic>
+      <p:pic>
+        <p:nvPicPr>
+          <p:cNvPr id="7" name="図 6" descr="画面の領域"/>
+          <p:cNvPicPr>
+            <a:picLocks noChangeAspect="1"/>
+          </p:cNvPicPr>
+          <p:nvPr/>
+        </p:nvPicPr>
+        <p:blipFill>
+          <a:blip r:embed="rId4">
+            <a:extLst>
+              <a:ext uri="{28A0092B-C50C-407E-A947-70E740481C1C}">
+                <a14:useLocalDpi xmlns:a14="http://schemas.microsoft.com/office/drawing/2010/main" val="0"/>
+              </a:ext>
+            </a:extLst>
+          </a:blip>
+          <a:stretch>
+            <a:fillRect/>
+          </a:stretch>
+        </p:blipFill>
+        <p:spPr>
+          <a:xfrm>
+            <a:off x="275737" y="7041232"/>
+            <a:ext cx="3369287" cy="1867947"/>
+          </a:xfrm>
+          <a:prstGeom prst="rect">
+            <a:avLst/>
+          </a:prstGeom>
+        </p:spPr>
+      </p:pic>
     </p:spTree>
     <p:extLst>
       <p:ext uri="{BB962C8B-B14F-4D97-AF65-F5344CB8AC3E}">

--- a/HTML1回目.pptx
+++ b/HTML1回目.pptx
@@ -7,6 +7,7 @@
   <p:sldIdLst>
     <p:sldId id="256" r:id="rId2"/>
     <p:sldId id="257" r:id="rId3"/>
+    <p:sldId id="258" r:id="rId4"/>
   </p:sldIdLst>
   <p:sldSz cx="6858000" cy="9906000" type="A4"/>
   <p:notesSz cx="6797675" cy="9926638"/>
@@ -289,7 +290,7 @@
           <a:p>
             <a:fld id="{9B320AB9-8567-4CBA-8894-37C9F8282449}" type="datetimeFigureOut">
               <a:rPr kumimoji="1" lang="ja-JP" altLang="en-US" smtClean="0"/>
-              <a:t>2019/10/10</a:t>
+              <a:t>2019/10/15</a:t>
             </a:fld>
             <a:endParaRPr kumimoji="1" lang="ja-JP" altLang="en-US"/>
           </a:p>
@@ -491,7 +492,7 @@
           <a:p>
             <a:fld id="{9B320AB9-8567-4CBA-8894-37C9F8282449}" type="datetimeFigureOut">
               <a:rPr kumimoji="1" lang="ja-JP" altLang="en-US" smtClean="0"/>
-              <a:t>2019/10/10</a:t>
+              <a:t>2019/10/15</a:t>
             </a:fld>
             <a:endParaRPr kumimoji="1" lang="ja-JP" altLang="en-US"/>
           </a:p>
@@ -703,7 +704,7 @@
           <a:p>
             <a:fld id="{9B320AB9-8567-4CBA-8894-37C9F8282449}" type="datetimeFigureOut">
               <a:rPr kumimoji="1" lang="ja-JP" altLang="en-US" smtClean="0"/>
-              <a:t>2019/10/10</a:t>
+              <a:t>2019/10/15</a:t>
             </a:fld>
             <a:endParaRPr kumimoji="1" lang="ja-JP" altLang="en-US"/>
           </a:p>
@@ -905,7 +906,7 @@
           <a:p>
             <a:fld id="{9B320AB9-8567-4CBA-8894-37C9F8282449}" type="datetimeFigureOut">
               <a:rPr kumimoji="1" lang="ja-JP" altLang="en-US" smtClean="0"/>
-              <a:t>2019/10/10</a:t>
+              <a:t>2019/10/15</a:t>
             </a:fld>
             <a:endParaRPr kumimoji="1" lang="ja-JP" altLang="en-US"/>
           </a:p>
@@ -1151,7 +1152,7 @@
           <a:p>
             <a:fld id="{9B320AB9-8567-4CBA-8894-37C9F8282449}" type="datetimeFigureOut">
               <a:rPr kumimoji="1" lang="ja-JP" altLang="en-US" smtClean="0"/>
-              <a:t>2019/10/10</a:t>
+              <a:t>2019/10/15</a:t>
             </a:fld>
             <a:endParaRPr kumimoji="1" lang="ja-JP" altLang="en-US"/>
           </a:p>
@@ -1503,7 +1504,7 @@
           <a:p>
             <a:fld id="{9B320AB9-8567-4CBA-8894-37C9F8282449}" type="datetimeFigureOut">
               <a:rPr kumimoji="1" lang="ja-JP" altLang="en-US" smtClean="0"/>
-              <a:t>2019/10/10</a:t>
+              <a:t>2019/10/15</a:t>
             </a:fld>
             <a:endParaRPr kumimoji="1" lang="ja-JP" altLang="en-US"/>
           </a:p>
@@ -1994,7 +1995,7 @@
           <a:p>
             <a:fld id="{9B320AB9-8567-4CBA-8894-37C9F8282449}" type="datetimeFigureOut">
               <a:rPr kumimoji="1" lang="ja-JP" altLang="en-US" smtClean="0"/>
-              <a:t>2019/10/10</a:t>
+              <a:t>2019/10/15</a:t>
             </a:fld>
             <a:endParaRPr kumimoji="1" lang="ja-JP" altLang="en-US"/>
           </a:p>
@@ -2112,7 +2113,7 @@
           <a:p>
             <a:fld id="{9B320AB9-8567-4CBA-8894-37C9F8282449}" type="datetimeFigureOut">
               <a:rPr kumimoji="1" lang="ja-JP" altLang="en-US" smtClean="0"/>
-              <a:t>2019/10/10</a:t>
+              <a:t>2019/10/15</a:t>
             </a:fld>
             <a:endParaRPr kumimoji="1" lang="ja-JP" altLang="en-US"/>
           </a:p>
@@ -2207,7 +2208,7 @@
           <a:p>
             <a:fld id="{9B320AB9-8567-4CBA-8894-37C9F8282449}" type="datetimeFigureOut">
               <a:rPr kumimoji="1" lang="ja-JP" altLang="en-US" smtClean="0"/>
-              <a:t>2019/10/10</a:t>
+              <a:t>2019/10/15</a:t>
             </a:fld>
             <a:endParaRPr kumimoji="1" lang="ja-JP" altLang="en-US"/>
           </a:p>
@@ -2516,7 +2517,7 @@
           <a:p>
             <a:fld id="{9B320AB9-8567-4CBA-8894-37C9F8282449}" type="datetimeFigureOut">
               <a:rPr kumimoji="1" lang="ja-JP" altLang="en-US" smtClean="0"/>
-              <a:t>2019/10/10</a:t>
+              <a:t>2019/10/15</a:t>
             </a:fld>
             <a:endParaRPr kumimoji="1" lang="ja-JP" altLang="en-US"/>
           </a:p>
@@ -2769,7 +2770,7 @@
           <a:p>
             <a:fld id="{9B320AB9-8567-4CBA-8894-37C9F8282449}" type="datetimeFigureOut">
               <a:rPr kumimoji="1" lang="ja-JP" altLang="en-US" smtClean="0"/>
-              <a:t>2019/10/10</a:t>
+              <a:t>2019/10/15</a:t>
             </a:fld>
             <a:endParaRPr kumimoji="1" lang="ja-JP" altLang="en-US"/>
           </a:p>
@@ -3014,7 +3015,7 @@
           <a:p>
             <a:fld id="{9B320AB9-8567-4CBA-8894-37C9F8282449}" type="datetimeFigureOut">
               <a:rPr kumimoji="1" lang="ja-JP" altLang="en-US" smtClean="0"/>
-              <a:t>2019/10/10</a:t>
+              <a:t>2019/10/15</a:t>
             </a:fld>
             <a:endParaRPr kumimoji="1" lang="ja-JP" altLang="en-US"/>
           </a:p>
@@ -4920,6 +4921,200 @@
 </p:sld>
 </file>
 
+<file path=ppt/slides/slide3.xml><?xml version="1.0" encoding="utf-8"?>
+<p:sld xmlns:a="http://schemas.openxmlformats.org/drawingml/2006/main" xmlns:r="http://schemas.openxmlformats.org/officeDocument/2006/relationships" xmlns:p="http://schemas.openxmlformats.org/presentationml/2006/main">
+  <p:cSld>
+    <p:spTree>
+      <p:nvGrpSpPr>
+        <p:cNvPr id="1" name=""/>
+        <p:cNvGrpSpPr/>
+        <p:nvPr/>
+      </p:nvGrpSpPr>
+      <p:grpSpPr>
+        <a:xfrm>
+          <a:off x="0" y="0"/>
+          <a:ext cx="0" cy="0"/>
+          <a:chOff x="0" y="0"/>
+          <a:chExt cx="0" cy="0"/>
+        </a:xfrm>
+      </p:grpSpPr>
+      <p:sp>
+        <p:nvSpPr>
+          <p:cNvPr id="2" name="テキスト ボックス 1"/>
+          <p:cNvSpPr txBox="1"/>
+          <p:nvPr/>
+        </p:nvSpPr>
+        <p:spPr>
+          <a:xfrm>
+            <a:off x="116632" y="87814"/>
+            <a:ext cx="6624736" cy="369332"/>
+          </a:xfrm>
+          <a:prstGeom prst="rect">
+            <a:avLst/>
+          </a:prstGeom>
+          <a:solidFill>
+            <a:schemeClr val="accent6">
+              <a:lumMod val="20000"/>
+              <a:lumOff val="80000"/>
+            </a:schemeClr>
+          </a:solidFill>
+        </p:spPr>
+        <p:txBody>
+          <a:bodyPr wrap="square" rtlCol="0">
+            <a:spAutoFit/>
+          </a:bodyPr>
+          <a:lstStyle/>
+          <a:p>
+            <a:r>
+              <a:rPr kumimoji="1" lang="ja-JP" altLang="en-US" dirty="0" smtClean="0"/>
+              <a:t>博多高校　土曜講座　</a:t>
+            </a:r>
+            <a:r>
+              <a:rPr kumimoji="1" lang="en-US" altLang="ja-JP" dirty="0" smtClean="0"/>
+              <a:t>WEB</a:t>
+            </a:r>
+            <a:r>
+              <a:rPr kumimoji="1" lang="ja-JP" altLang="en-US" dirty="0" smtClean="0"/>
+              <a:t>ページとプログラミング</a:t>
+            </a:r>
+            <a:endParaRPr kumimoji="1" lang="ja-JP" altLang="en-US" dirty="0"/>
+          </a:p>
+        </p:txBody>
+      </p:sp>
+      <p:sp>
+        <p:nvSpPr>
+          <p:cNvPr id="3" name="テキスト ボックス 2"/>
+          <p:cNvSpPr txBox="1"/>
+          <p:nvPr/>
+        </p:nvSpPr>
+        <p:spPr>
+          <a:xfrm>
+            <a:off x="132160" y="457145"/>
+            <a:ext cx="6609208" cy="2492990"/>
+          </a:xfrm>
+          <a:prstGeom prst="rect">
+            <a:avLst/>
+          </a:prstGeom>
+          <a:noFill/>
+        </p:spPr>
+        <p:txBody>
+          <a:bodyPr wrap="square" rtlCol="0">
+            <a:spAutoFit/>
+          </a:bodyPr>
+          <a:lstStyle/>
+          <a:p>
+            <a:r>
+              <a:rPr lang="en-US" altLang="ja-JP" sz="1400" dirty="0" smtClean="0"/>
+              <a:t>WEB</a:t>
+            </a:r>
+            <a:r>
+              <a:rPr lang="ja-JP" altLang="en-US" sz="1400" dirty="0"/>
+              <a:t>の</a:t>
+            </a:r>
+            <a:r>
+              <a:rPr lang="ja-JP" altLang="en-US" sz="1400" dirty="0" smtClean="0"/>
+              <a:t>画面は、全体で次のセクションに分かれます。</a:t>
+            </a:r>
+            <a:endParaRPr lang="en-US" altLang="ja-JP" sz="1400" dirty="0" smtClean="0"/>
+          </a:p>
+          <a:p>
+            <a:r>
+              <a:rPr lang="en-US" altLang="ja-JP" sz="1400" dirty="0" smtClean="0"/>
+              <a:t>&lt;header&gt;</a:t>
+            </a:r>
+            <a:r>
+              <a:rPr lang="ja-JP" altLang="en-US" sz="1400" dirty="0" smtClean="0"/>
+              <a:t>　　画面上部に固定されるタイトルになります。</a:t>
+            </a:r>
+            <a:endParaRPr lang="en-US" altLang="ja-JP" sz="1400" dirty="0" smtClean="0"/>
+          </a:p>
+          <a:p>
+            <a:r>
+              <a:rPr lang="en-US" altLang="ja-JP" sz="1400" dirty="0" smtClean="0"/>
+              <a:t>&lt;</a:t>
+            </a:r>
+            <a:r>
+              <a:rPr lang="en-US" altLang="ja-JP" sz="1400" dirty="0" err="1" smtClean="0"/>
+              <a:t>nav</a:t>
+            </a:r>
+            <a:r>
+              <a:rPr lang="en-US" altLang="ja-JP" sz="1400" dirty="0" smtClean="0"/>
+              <a:t>&gt;</a:t>
+            </a:r>
+            <a:r>
+              <a:rPr lang="ja-JP" altLang="en-US" sz="1400" dirty="0" smtClean="0"/>
+              <a:t>　　　　画面のヘッダーの下や、右側に配置され、全体のメニューになります。</a:t>
+            </a:r>
+            <a:endParaRPr lang="en-US" altLang="ja-JP" sz="1400" dirty="0" smtClean="0"/>
+          </a:p>
+          <a:p>
+            <a:r>
+              <a:rPr lang="en-US" altLang="ja-JP" sz="1400" dirty="0" smtClean="0"/>
+              <a:t>&lt;section&gt;</a:t>
+            </a:r>
+            <a:r>
+              <a:rPr lang="ja-JP" altLang="en-US" sz="1400" dirty="0" smtClean="0"/>
+              <a:t>　</a:t>
+            </a:r>
+            <a:r>
+              <a:rPr lang="ja-JP" altLang="en-US" sz="1400" dirty="0"/>
+              <a:t>　</a:t>
+            </a:r>
+            <a:r>
+              <a:rPr lang="ja-JP" altLang="en-US" sz="1400" dirty="0" smtClean="0"/>
+              <a:t>コンテンツのひとまとまりとなります。</a:t>
+            </a:r>
+            <a:endParaRPr lang="en-US" altLang="ja-JP" sz="1400" dirty="0" smtClean="0"/>
+          </a:p>
+          <a:p>
+            <a:r>
+              <a:rPr lang="ja-JP" altLang="en-US" sz="1400" dirty="0"/>
+              <a:t>　</a:t>
+            </a:r>
+            <a:r>
+              <a:rPr lang="ja-JP" altLang="en-US" sz="1400" dirty="0" smtClean="0"/>
+              <a:t>　　　　　　　メニューから選択されたときには、このまとまりで画面を切り替わります。　</a:t>
+            </a:r>
+            <a:endParaRPr lang="en-US" altLang="ja-JP" sz="1400" dirty="0" smtClean="0"/>
+          </a:p>
+          <a:p>
+            <a:r>
+              <a:rPr lang="en-US" altLang="ja-JP" sz="1400" dirty="0" smtClean="0"/>
+              <a:t>&lt;footer&gt;</a:t>
+            </a:r>
+            <a:r>
+              <a:rPr lang="ja-JP" altLang="en-US" sz="1400" dirty="0" smtClean="0"/>
+              <a:t>　　画面下部に配置され、著作権、作った人などを表示するエリアになります。</a:t>
+            </a:r>
+            <a:endParaRPr lang="en-US" altLang="ja-JP" sz="1400" dirty="0" smtClean="0"/>
+          </a:p>
+          <a:p>
+            <a:endParaRPr kumimoji="1" lang="en-US" altLang="ja-JP" dirty="0" smtClean="0"/>
+          </a:p>
+          <a:p>
+            <a:endParaRPr lang="en-US" altLang="ja-JP" dirty="0"/>
+          </a:p>
+          <a:p>
+            <a:endParaRPr kumimoji="1" lang="en-US" altLang="ja-JP" smtClean="0"/>
+          </a:p>
+          <a:p>
+            <a:endParaRPr kumimoji="1" lang="ja-JP" altLang="en-US" dirty="0"/>
+          </a:p>
+        </p:txBody>
+      </p:sp>
+    </p:spTree>
+    <p:extLst>
+      <p:ext uri="{BB962C8B-B14F-4D97-AF65-F5344CB8AC3E}">
+        <p14:creationId xmlns:p14="http://schemas.microsoft.com/office/powerpoint/2010/main" val="3479122491"/>
+      </p:ext>
+    </p:extLst>
+  </p:cSld>
+  <p:clrMapOvr>
+    <a:masterClrMapping/>
+  </p:clrMapOvr>
+</p:sld>
+</file>
+
 <file path=ppt/theme/theme1.xml><?xml version="1.0" encoding="utf-8"?>
 <a:theme xmlns:a="http://schemas.openxmlformats.org/drawingml/2006/main" name="Office ​​テーマ">
   <a:themeElements>

--- a/HTML1回目.pptx
+++ b/HTML1回目.pptx
@@ -290,7 +290,7 @@
           <a:p>
             <a:fld id="{9B320AB9-8567-4CBA-8894-37C9F8282449}" type="datetimeFigureOut">
               <a:rPr kumimoji="1" lang="ja-JP" altLang="en-US" smtClean="0"/>
-              <a:t>2019/10/15</a:t>
+              <a:t>2019/10/16</a:t>
             </a:fld>
             <a:endParaRPr kumimoji="1" lang="ja-JP" altLang="en-US"/>
           </a:p>
@@ -492,7 +492,7 @@
           <a:p>
             <a:fld id="{9B320AB9-8567-4CBA-8894-37C9F8282449}" type="datetimeFigureOut">
               <a:rPr kumimoji="1" lang="ja-JP" altLang="en-US" smtClean="0"/>
-              <a:t>2019/10/15</a:t>
+              <a:t>2019/10/16</a:t>
             </a:fld>
             <a:endParaRPr kumimoji="1" lang="ja-JP" altLang="en-US"/>
           </a:p>
@@ -704,7 +704,7 @@
           <a:p>
             <a:fld id="{9B320AB9-8567-4CBA-8894-37C9F8282449}" type="datetimeFigureOut">
               <a:rPr kumimoji="1" lang="ja-JP" altLang="en-US" smtClean="0"/>
-              <a:t>2019/10/15</a:t>
+              <a:t>2019/10/16</a:t>
             </a:fld>
             <a:endParaRPr kumimoji="1" lang="ja-JP" altLang="en-US"/>
           </a:p>
@@ -906,7 +906,7 @@
           <a:p>
             <a:fld id="{9B320AB9-8567-4CBA-8894-37C9F8282449}" type="datetimeFigureOut">
               <a:rPr kumimoji="1" lang="ja-JP" altLang="en-US" smtClean="0"/>
-              <a:t>2019/10/15</a:t>
+              <a:t>2019/10/16</a:t>
             </a:fld>
             <a:endParaRPr kumimoji="1" lang="ja-JP" altLang="en-US"/>
           </a:p>
@@ -1152,7 +1152,7 @@
           <a:p>
             <a:fld id="{9B320AB9-8567-4CBA-8894-37C9F8282449}" type="datetimeFigureOut">
               <a:rPr kumimoji="1" lang="ja-JP" altLang="en-US" smtClean="0"/>
-              <a:t>2019/10/15</a:t>
+              <a:t>2019/10/16</a:t>
             </a:fld>
             <a:endParaRPr kumimoji="1" lang="ja-JP" altLang="en-US"/>
           </a:p>
@@ -1504,7 +1504,7 @@
           <a:p>
             <a:fld id="{9B320AB9-8567-4CBA-8894-37C9F8282449}" type="datetimeFigureOut">
               <a:rPr kumimoji="1" lang="ja-JP" altLang="en-US" smtClean="0"/>
-              <a:t>2019/10/15</a:t>
+              <a:t>2019/10/16</a:t>
             </a:fld>
             <a:endParaRPr kumimoji="1" lang="ja-JP" altLang="en-US"/>
           </a:p>
@@ -1995,7 +1995,7 @@
           <a:p>
             <a:fld id="{9B320AB9-8567-4CBA-8894-37C9F8282449}" type="datetimeFigureOut">
               <a:rPr kumimoji="1" lang="ja-JP" altLang="en-US" smtClean="0"/>
-              <a:t>2019/10/15</a:t>
+              <a:t>2019/10/16</a:t>
             </a:fld>
             <a:endParaRPr kumimoji="1" lang="ja-JP" altLang="en-US"/>
           </a:p>
@@ -2113,7 +2113,7 @@
           <a:p>
             <a:fld id="{9B320AB9-8567-4CBA-8894-37C9F8282449}" type="datetimeFigureOut">
               <a:rPr kumimoji="1" lang="ja-JP" altLang="en-US" smtClean="0"/>
-              <a:t>2019/10/15</a:t>
+              <a:t>2019/10/16</a:t>
             </a:fld>
             <a:endParaRPr kumimoji="1" lang="ja-JP" altLang="en-US"/>
           </a:p>
@@ -2208,7 +2208,7 @@
           <a:p>
             <a:fld id="{9B320AB9-8567-4CBA-8894-37C9F8282449}" type="datetimeFigureOut">
               <a:rPr kumimoji="1" lang="ja-JP" altLang="en-US" smtClean="0"/>
-              <a:t>2019/10/15</a:t>
+              <a:t>2019/10/16</a:t>
             </a:fld>
             <a:endParaRPr kumimoji="1" lang="ja-JP" altLang="en-US"/>
           </a:p>
@@ -2517,7 +2517,7 @@
           <a:p>
             <a:fld id="{9B320AB9-8567-4CBA-8894-37C9F8282449}" type="datetimeFigureOut">
               <a:rPr kumimoji="1" lang="ja-JP" altLang="en-US" smtClean="0"/>
-              <a:t>2019/10/15</a:t>
+              <a:t>2019/10/16</a:t>
             </a:fld>
             <a:endParaRPr kumimoji="1" lang="ja-JP" altLang="en-US"/>
           </a:p>
@@ -2770,7 +2770,7 @@
           <a:p>
             <a:fld id="{9B320AB9-8567-4CBA-8894-37C9F8282449}" type="datetimeFigureOut">
               <a:rPr kumimoji="1" lang="ja-JP" altLang="en-US" smtClean="0"/>
-              <a:t>2019/10/15</a:t>
+              <a:t>2019/10/16</a:t>
             </a:fld>
             <a:endParaRPr kumimoji="1" lang="ja-JP" altLang="en-US"/>
           </a:p>
@@ -3015,7 +3015,7 @@
           <a:p>
             <a:fld id="{9B320AB9-8567-4CBA-8894-37C9F8282449}" type="datetimeFigureOut">
               <a:rPr kumimoji="1" lang="ja-JP" altLang="en-US" smtClean="0"/>
-              <a:t>2019/10/15</a:t>
+              <a:t>2019/10/16</a:t>
             </a:fld>
             <a:endParaRPr kumimoji="1" lang="ja-JP" altLang="en-US"/>
           </a:p>
@@ -4990,7 +4990,7 @@
         <p:spPr>
           <a:xfrm>
             <a:off x="132160" y="457145"/>
-            <a:ext cx="6609208" cy="2492990"/>
+            <a:ext cx="6609208" cy="2677656"/>
           </a:xfrm>
           <a:prstGeom prst="rect">
             <a:avLst/>
@@ -5004,6 +5004,13 @@
           <a:lstStyle/>
           <a:p>
             <a:r>
+              <a:rPr lang="ja-JP" altLang="en-US" sz="1400" dirty="0" smtClean="0"/>
+              <a:t>■セクショニング・タグ</a:t>
+            </a:r>
+            <a:endParaRPr lang="en-US" altLang="ja-JP" sz="1400" dirty="0" smtClean="0"/>
+          </a:p>
+          <a:p>
+            <a:r>
               <a:rPr lang="en-US" altLang="ja-JP" sz="1400" dirty="0" smtClean="0"/>
               <a:t>WEB</a:t>
             </a:r>
@@ -5084,21 +5091,62 @@
             </a:r>
             <a:r>
               <a:rPr lang="ja-JP" altLang="en-US" sz="1400" dirty="0" smtClean="0"/>
-              <a:t>　　画面下部に配置され、著作権、作った人などを表示するエリアになります。</a:t>
-            </a:r>
+              <a:t>　　画面下部に配置され、著作権、作った人などを表示するエリアになります</a:t>
+            </a:r>
+            <a:r>
+              <a:rPr lang="ja-JP" altLang="en-US" sz="1400" dirty="0" smtClean="0"/>
+              <a:t>。</a:t>
+            </a:r>
+            <a:endParaRPr lang="en-US" altLang="ja-JP" dirty="0"/>
+          </a:p>
+          <a:p>
             <a:endParaRPr lang="en-US" altLang="ja-JP" sz="1400" dirty="0" smtClean="0"/>
           </a:p>
           <a:p>
-            <a:endParaRPr kumimoji="1" lang="en-US" altLang="ja-JP" dirty="0" smtClean="0"/>
-          </a:p>
-          <a:p>
-            <a:endParaRPr lang="en-US" altLang="ja-JP" dirty="0"/>
-          </a:p>
-          <a:p>
-            <a:endParaRPr kumimoji="1" lang="en-US" altLang="ja-JP" smtClean="0"/>
-          </a:p>
-          <a:p>
-            <a:endParaRPr kumimoji="1" lang="ja-JP" altLang="en-US" dirty="0"/>
+            <a:r>
+              <a:rPr lang="ja-JP" altLang="en-US" sz="1400" dirty="0" smtClean="0"/>
+              <a:t>■画面の構成</a:t>
+            </a:r>
+            <a:endParaRPr lang="en-US" altLang="ja-JP" sz="1400" dirty="0" smtClean="0"/>
+          </a:p>
+          <a:p>
+            <a:r>
+              <a:rPr lang="ja-JP" altLang="en-US" sz="1400" dirty="0"/>
+              <a:t>常に表示</a:t>
+            </a:r>
+            <a:r>
+              <a:rPr lang="ja-JP" altLang="en-US" sz="1400" dirty="0" smtClean="0"/>
+              <a:t>される　・・・</a:t>
+            </a:r>
+            <a:r>
+              <a:rPr lang="en-US" altLang="ja-JP" sz="1400" dirty="0" smtClean="0"/>
+              <a:t>&lt;header&gt;&lt;</a:t>
+            </a:r>
+            <a:r>
+              <a:rPr lang="en-US" altLang="ja-JP" sz="1400" dirty="0" err="1" smtClean="0"/>
+              <a:t>nav</a:t>
+            </a:r>
+            <a:r>
+              <a:rPr lang="en-US" altLang="ja-JP" sz="1400" dirty="0" smtClean="0"/>
+              <a:t>&gt;&lt;footer&gt;</a:t>
+            </a:r>
+          </a:p>
+          <a:p>
+            <a:r>
+              <a:rPr lang="ja-JP" altLang="en-US" sz="1400" dirty="0"/>
+              <a:t>場合によって</a:t>
+            </a:r>
+            <a:r>
+              <a:rPr lang="ja-JP" altLang="en-US" sz="1400" dirty="0" smtClean="0"/>
+              <a:t>異なる・</a:t>
+            </a:r>
+            <a:r>
+              <a:rPr lang="en-US" altLang="ja-JP" sz="1400" smtClean="0"/>
+              <a:t>&lt;section&gt;</a:t>
+            </a:r>
+          </a:p>
+          <a:p>
+            <a:endParaRPr lang="en-US" altLang="ja-JP" sz="1400" dirty="0" smtClean="0"/>
           </a:p>
         </p:txBody>
       </p:sp>

--- a/HTML1回目.pptx
+++ b/HTML1回目.pptx
@@ -8,6 +8,7 @@
     <p:sldId id="256" r:id="rId2"/>
     <p:sldId id="257" r:id="rId3"/>
     <p:sldId id="258" r:id="rId4"/>
+    <p:sldId id="259" r:id="rId5"/>
   </p:sldIdLst>
   <p:sldSz cx="6858000" cy="9906000" type="A4"/>
   <p:notesSz cx="6797675" cy="9926638"/>
@@ -290,7 +291,7 @@
           <a:p>
             <a:fld id="{9B320AB9-8567-4CBA-8894-37C9F8282449}" type="datetimeFigureOut">
               <a:rPr kumimoji="1" lang="ja-JP" altLang="en-US" smtClean="0"/>
-              <a:t>2019/10/16</a:t>
+              <a:t>2019/10/18</a:t>
             </a:fld>
             <a:endParaRPr kumimoji="1" lang="ja-JP" altLang="en-US"/>
           </a:p>
@@ -492,7 +493,7 @@
           <a:p>
             <a:fld id="{9B320AB9-8567-4CBA-8894-37C9F8282449}" type="datetimeFigureOut">
               <a:rPr kumimoji="1" lang="ja-JP" altLang="en-US" smtClean="0"/>
-              <a:t>2019/10/16</a:t>
+              <a:t>2019/10/18</a:t>
             </a:fld>
             <a:endParaRPr kumimoji="1" lang="ja-JP" altLang="en-US"/>
           </a:p>
@@ -704,7 +705,7 @@
           <a:p>
             <a:fld id="{9B320AB9-8567-4CBA-8894-37C9F8282449}" type="datetimeFigureOut">
               <a:rPr kumimoji="1" lang="ja-JP" altLang="en-US" smtClean="0"/>
-              <a:t>2019/10/16</a:t>
+              <a:t>2019/10/18</a:t>
             </a:fld>
             <a:endParaRPr kumimoji="1" lang="ja-JP" altLang="en-US"/>
           </a:p>
@@ -906,7 +907,7 @@
           <a:p>
             <a:fld id="{9B320AB9-8567-4CBA-8894-37C9F8282449}" type="datetimeFigureOut">
               <a:rPr kumimoji="1" lang="ja-JP" altLang="en-US" smtClean="0"/>
-              <a:t>2019/10/16</a:t>
+              <a:t>2019/10/18</a:t>
             </a:fld>
             <a:endParaRPr kumimoji="1" lang="ja-JP" altLang="en-US"/>
           </a:p>
@@ -1152,7 +1153,7 @@
           <a:p>
             <a:fld id="{9B320AB9-8567-4CBA-8894-37C9F8282449}" type="datetimeFigureOut">
               <a:rPr kumimoji="1" lang="ja-JP" altLang="en-US" smtClean="0"/>
-              <a:t>2019/10/16</a:t>
+              <a:t>2019/10/18</a:t>
             </a:fld>
             <a:endParaRPr kumimoji="1" lang="ja-JP" altLang="en-US"/>
           </a:p>
@@ -1504,7 +1505,7 @@
           <a:p>
             <a:fld id="{9B320AB9-8567-4CBA-8894-37C9F8282449}" type="datetimeFigureOut">
               <a:rPr kumimoji="1" lang="ja-JP" altLang="en-US" smtClean="0"/>
-              <a:t>2019/10/16</a:t>
+              <a:t>2019/10/18</a:t>
             </a:fld>
             <a:endParaRPr kumimoji="1" lang="ja-JP" altLang="en-US"/>
           </a:p>
@@ -1995,7 +1996,7 @@
           <a:p>
             <a:fld id="{9B320AB9-8567-4CBA-8894-37C9F8282449}" type="datetimeFigureOut">
               <a:rPr kumimoji="1" lang="ja-JP" altLang="en-US" smtClean="0"/>
-              <a:t>2019/10/16</a:t>
+              <a:t>2019/10/18</a:t>
             </a:fld>
             <a:endParaRPr kumimoji="1" lang="ja-JP" altLang="en-US"/>
           </a:p>
@@ -2113,7 +2114,7 @@
           <a:p>
             <a:fld id="{9B320AB9-8567-4CBA-8894-37C9F8282449}" type="datetimeFigureOut">
               <a:rPr kumimoji="1" lang="ja-JP" altLang="en-US" smtClean="0"/>
-              <a:t>2019/10/16</a:t>
+              <a:t>2019/10/18</a:t>
             </a:fld>
             <a:endParaRPr kumimoji="1" lang="ja-JP" altLang="en-US"/>
           </a:p>
@@ -2208,7 +2209,7 @@
           <a:p>
             <a:fld id="{9B320AB9-8567-4CBA-8894-37C9F8282449}" type="datetimeFigureOut">
               <a:rPr kumimoji="1" lang="ja-JP" altLang="en-US" smtClean="0"/>
-              <a:t>2019/10/16</a:t>
+              <a:t>2019/10/18</a:t>
             </a:fld>
             <a:endParaRPr kumimoji="1" lang="ja-JP" altLang="en-US"/>
           </a:p>
@@ -2517,7 +2518,7 @@
           <a:p>
             <a:fld id="{9B320AB9-8567-4CBA-8894-37C9F8282449}" type="datetimeFigureOut">
               <a:rPr kumimoji="1" lang="ja-JP" altLang="en-US" smtClean="0"/>
-              <a:t>2019/10/16</a:t>
+              <a:t>2019/10/18</a:t>
             </a:fld>
             <a:endParaRPr kumimoji="1" lang="ja-JP" altLang="en-US"/>
           </a:p>
@@ -2770,7 +2771,7 @@
           <a:p>
             <a:fld id="{9B320AB9-8567-4CBA-8894-37C9F8282449}" type="datetimeFigureOut">
               <a:rPr kumimoji="1" lang="ja-JP" altLang="en-US" smtClean="0"/>
-              <a:t>2019/10/16</a:t>
+              <a:t>2019/10/18</a:t>
             </a:fld>
             <a:endParaRPr kumimoji="1" lang="ja-JP" altLang="en-US"/>
           </a:p>
@@ -3015,7 +3016,7 @@
           <a:p>
             <a:fld id="{9B320AB9-8567-4CBA-8894-37C9F8282449}" type="datetimeFigureOut">
               <a:rPr kumimoji="1" lang="ja-JP" altLang="en-US" smtClean="0"/>
-              <a:t>2019/10/16</a:t>
+              <a:t>2019/10/18</a:t>
             </a:fld>
             <a:endParaRPr kumimoji="1" lang="ja-JP" altLang="en-US"/>
           </a:p>
@@ -4990,7 +4991,7 @@
         <p:spPr>
           <a:xfrm>
             <a:off x="132160" y="457145"/>
-            <a:ext cx="6609208" cy="2677656"/>
+            <a:ext cx="6609208" cy="9356408"/>
           </a:xfrm>
           <a:prstGeom prst="rect">
             <a:avLst/>
@@ -5091,11 +5092,7 @@
             </a:r>
             <a:r>
               <a:rPr lang="ja-JP" altLang="en-US" sz="1400" dirty="0" smtClean="0"/>
-              <a:t>　　画面下部に配置され、著作権、作った人などを表示するエリアになります</a:t>
-            </a:r>
-            <a:r>
-              <a:rPr lang="ja-JP" altLang="en-US" sz="1400" dirty="0" smtClean="0"/>
-              <a:t>。</a:t>
+              <a:t>　　画面下部に配置され、著作権、作った人などを表示するエリアになります。</a:t>
             </a:r>
             <a:endParaRPr lang="en-US" altLang="ja-JP" dirty="0"/>
           </a:p>
@@ -5141,19 +5138,1262 @@
               <a:t>異なる・</a:t>
             </a:r>
             <a:r>
-              <a:rPr lang="en-US" altLang="ja-JP" sz="1400" smtClean="0"/>
+              <a:rPr lang="en-US" altLang="ja-JP" sz="1400" dirty="0" smtClean="0"/>
               <a:t>&lt;section&gt;</a:t>
             </a:r>
           </a:p>
           <a:p>
             <a:endParaRPr lang="en-US" altLang="ja-JP" sz="1400" dirty="0" smtClean="0"/>
           </a:p>
-        </p:txBody>
-      </p:sp>
+          <a:p>
+            <a:r>
+              <a:rPr lang="ja-JP" altLang="en-US" sz="1400" dirty="0" smtClean="0"/>
+              <a:t>■</a:t>
+            </a:r>
+            <a:r>
+              <a:rPr lang="ja-JP" altLang="en-US" sz="1400" dirty="0"/>
+              <a:t>イベント</a:t>
+            </a:r>
+            <a:r>
+              <a:rPr lang="ja-JP" altLang="en-US" sz="1400" dirty="0" smtClean="0"/>
+              <a:t>処理</a:t>
+            </a:r>
+            <a:endParaRPr lang="en-US" altLang="ja-JP" sz="1400" dirty="0" smtClean="0"/>
+          </a:p>
+          <a:p>
+            <a:r>
+              <a:rPr lang="ja-JP" altLang="en-US" sz="1400" dirty="0"/>
+              <a:t>　</a:t>
+            </a:r>
+            <a:r>
+              <a:rPr lang="en-US" altLang="ja-JP" sz="1400" dirty="0" smtClean="0"/>
+              <a:t>WEB</a:t>
+            </a:r>
+            <a:r>
+              <a:rPr lang="ja-JP" altLang="en-US" sz="1400" dirty="0" smtClean="0"/>
+              <a:t>ブラウザで発生する処理には、クリック、ダブルクリック、ページを読み込んだ</a:t>
+            </a:r>
+            <a:endParaRPr lang="en-US" altLang="ja-JP" sz="1400" dirty="0" smtClean="0"/>
+          </a:p>
+          <a:p>
+            <a:r>
+              <a:rPr lang="ja-JP" altLang="en-US" sz="1400" dirty="0" smtClean="0"/>
+              <a:t>など様々なものがある。</a:t>
+            </a:r>
+            <a:endParaRPr lang="en-US" altLang="ja-JP" sz="1400" dirty="0" smtClean="0"/>
+          </a:p>
+          <a:p>
+            <a:r>
+              <a:rPr lang="ja-JP" altLang="en-US" sz="1400" dirty="0"/>
+              <a:t>　</a:t>
+            </a:r>
+            <a:r>
+              <a:rPr lang="ja-JP" altLang="en-US" sz="1400" dirty="0" smtClean="0"/>
+              <a:t>イベントはタグなどの要素に、起きた変化に対して、何をするかを書く。この時、何が起きたかというトリガーをイベントハンドラという。イベントハンドラの代表的なものについては、下記表を参照。</a:t>
+            </a:r>
+            <a:endParaRPr lang="en-US" altLang="ja-JP" sz="1400" dirty="0" smtClean="0"/>
+          </a:p>
+          <a:p>
+            <a:endParaRPr lang="en-US" altLang="ja-JP" sz="1400" dirty="0" smtClean="0"/>
+          </a:p>
+          <a:p>
+            <a:endParaRPr lang="en-US" altLang="ja-JP" sz="1400" dirty="0" smtClean="0"/>
+          </a:p>
+          <a:p>
+            <a:endParaRPr lang="en-US" altLang="ja-JP" sz="1400" dirty="0" smtClean="0"/>
+          </a:p>
+          <a:p>
+            <a:endParaRPr lang="en-US" altLang="ja-JP" sz="1400" dirty="0"/>
+          </a:p>
+          <a:p>
+            <a:endParaRPr lang="en-US" altLang="ja-JP" sz="1400" dirty="0" smtClean="0"/>
+          </a:p>
+          <a:p>
+            <a:endParaRPr lang="en-US" altLang="ja-JP" sz="1400" dirty="0"/>
+          </a:p>
+          <a:p>
+            <a:endParaRPr lang="en-US" altLang="ja-JP" sz="1400" dirty="0" smtClean="0"/>
+          </a:p>
+          <a:p>
+            <a:endParaRPr lang="en-US" altLang="ja-JP" sz="1400" dirty="0"/>
+          </a:p>
+          <a:p>
+            <a:r>
+              <a:rPr lang="ja-JP" altLang="en-US" sz="1400" dirty="0" smtClean="0"/>
+              <a:t>■イベントハンドラに書く処理</a:t>
+            </a:r>
+            <a:endParaRPr lang="en-US" altLang="ja-JP" sz="1400" dirty="0" smtClean="0"/>
+          </a:p>
+          <a:p>
+            <a:r>
+              <a:rPr lang="ja-JP" altLang="en-US" sz="1400" dirty="0"/>
+              <a:t>　</a:t>
+            </a:r>
+            <a:r>
+              <a:rPr lang="ja-JP" altLang="en-US" sz="1400" dirty="0" smtClean="0"/>
+              <a:t>イベントハンドラには、</a:t>
+            </a:r>
+            <a:r>
+              <a:rPr lang="en-US" altLang="ja-JP" sz="1400" dirty="0" smtClean="0"/>
+              <a:t>JavaScript</a:t>
+            </a:r>
+            <a:r>
+              <a:rPr lang="ja-JP" altLang="en-US" sz="1400" dirty="0" smtClean="0"/>
+              <a:t>の関数を書く。</a:t>
+            </a:r>
+            <a:endParaRPr lang="en-US" altLang="ja-JP" sz="1400" dirty="0" smtClean="0"/>
+          </a:p>
+          <a:p>
+            <a:r>
+              <a:rPr lang="ja-JP" altLang="en-US" sz="1400" dirty="0"/>
+              <a:t>　</a:t>
+            </a:r>
+            <a:r>
+              <a:rPr lang="ja-JP" altLang="en-US" sz="1400" dirty="0"/>
+              <a:t>関数</a:t>
+            </a:r>
+            <a:r>
+              <a:rPr lang="ja-JP" altLang="en-US" sz="1400" dirty="0" smtClean="0"/>
+              <a:t>は、</a:t>
+            </a:r>
+            <a:r>
+              <a:rPr lang="en-US" altLang="ja-JP" sz="1400" dirty="0" err="1"/>
+              <a:t>functionnname</a:t>
+            </a:r>
+            <a:r>
+              <a:rPr lang="en-US" altLang="ja-JP" sz="1400" dirty="0" smtClean="0"/>
+              <a:t>(</a:t>
+            </a:r>
+            <a:r>
+              <a:rPr lang="ja-JP" altLang="en-US" sz="1400" dirty="0" smtClean="0"/>
+              <a:t>　</a:t>
+            </a:r>
+            <a:r>
+              <a:rPr lang="en-US" altLang="ja-JP" sz="1400" dirty="0" smtClean="0"/>
+              <a:t>parameters)</a:t>
+            </a:r>
+            <a:r>
+              <a:rPr lang="ja-JP" altLang="en-US" sz="1400" dirty="0" smtClean="0"/>
+              <a:t>　の形で指定して、使用する。</a:t>
+            </a:r>
+            <a:endParaRPr lang="en-US" altLang="ja-JP" sz="1400" dirty="0" smtClean="0"/>
+          </a:p>
+          <a:p>
+            <a:endParaRPr lang="en-US" altLang="ja-JP" sz="1400" dirty="0" smtClean="0"/>
+          </a:p>
+          <a:p>
+            <a:r>
+              <a:rPr lang="ja-JP" altLang="en-US" sz="1400" dirty="0"/>
+              <a:t>　</a:t>
+            </a:r>
+            <a:r>
+              <a:rPr lang="ja-JP" altLang="en-US" sz="1400" dirty="0" smtClean="0"/>
+              <a:t>関数の定義は、</a:t>
+            </a:r>
+            <a:r>
+              <a:rPr lang="en-US" altLang="ja-JP" sz="1400" dirty="0" smtClean="0"/>
+              <a:t>&lt;script&gt;</a:t>
+            </a:r>
+            <a:r>
+              <a:rPr lang="ja-JP" altLang="en-US" sz="1400" dirty="0" smtClean="0"/>
+              <a:t> </a:t>
+            </a:r>
+            <a:r>
+              <a:rPr lang="ja-JP" altLang="en-US" sz="1400" dirty="0"/>
+              <a:t>～</a:t>
+            </a:r>
+            <a:r>
+              <a:rPr lang="ja-JP" altLang="en-US" sz="1400" dirty="0" smtClean="0"/>
+              <a:t>　</a:t>
+            </a:r>
+            <a:r>
+              <a:rPr lang="en-US" altLang="ja-JP" sz="1400" dirty="0" smtClean="0"/>
+              <a:t>&lt;/script&gt;</a:t>
+            </a:r>
+            <a:r>
+              <a:rPr lang="ja-JP" altLang="en-US" sz="1400" dirty="0" smtClean="0"/>
+              <a:t>の間に、下記のように記述する。</a:t>
+            </a:r>
+            <a:endParaRPr lang="en-US" altLang="ja-JP" sz="1400" dirty="0" smtClean="0"/>
+          </a:p>
+          <a:p>
+            <a:endParaRPr lang="en-US" altLang="ja-JP" sz="1400" dirty="0"/>
+          </a:p>
+          <a:p>
+            <a:r>
+              <a:rPr lang="ja-JP" altLang="en-US" sz="1400" dirty="0" smtClean="0"/>
+              <a:t>　</a:t>
+            </a:r>
+            <a:r>
+              <a:rPr lang="en-US" altLang="ja-JP" sz="1400" dirty="0" smtClean="0"/>
+              <a:t>function</a:t>
+            </a:r>
+            <a:r>
+              <a:rPr lang="ja-JP" altLang="en-US" sz="1400" dirty="0" smtClean="0"/>
+              <a:t>　</a:t>
+            </a:r>
+            <a:r>
+              <a:rPr lang="en-US" altLang="ja-JP" sz="1400" dirty="0" smtClean="0"/>
+              <a:t>name</a:t>
+            </a:r>
+            <a:r>
+              <a:rPr lang="ja-JP" altLang="en-US" sz="1400" dirty="0" smtClean="0"/>
+              <a:t>（　</a:t>
+            </a:r>
+            <a:r>
+              <a:rPr lang="en-US" altLang="ja-JP" sz="1400" dirty="0" smtClean="0"/>
+              <a:t>parameter,…</a:t>
+            </a:r>
+            <a:r>
+              <a:rPr lang="ja-JP" altLang="en-US" sz="1400" dirty="0" smtClean="0"/>
+              <a:t>　）　｛</a:t>
+            </a:r>
+            <a:endParaRPr lang="en-US" altLang="ja-JP" sz="1400" dirty="0" smtClean="0"/>
+          </a:p>
+          <a:p>
+            <a:r>
+              <a:rPr lang="ja-JP" altLang="en-US" sz="1400" dirty="0"/>
+              <a:t>　</a:t>
+            </a:r>
+            <a:r>
+              <a:rPr lang="ja-JP" altLang="en-US" sz="1400" dirty="0" smtClean="0"/>
+              <a:t>　　処理命令の並び</a:t>
+            </a:r>
+            <a:endParaRPr lang="en-US" altLang="ja-JP" sz="1400" dirty="0" smtClean="0"/>
+          </a:p>
+          <a:p>
+            <a:r>
+              <a:rPr lang="ja-JP" altLang="en-US" sz="1400" dirty="0"/>
+              <a:t>　</a:t>
+            </a:r>
+            <a:r>
+              <a:rPr lang="en-US" altLang="ja-JP" sz="1400" dirty="0" smtClean="0"/>
+              <a:t>}</a:t>
+            </a:r>
+            <a:endParaRPr lang="en-US" altLang="ja-JP" sz="1400" dirty="0"/>
+          </a:p>
+          <a:p>
+            <a:r>
+              <a:rPr lang="ja-JP" altLang="en-US" sz="1400" dirty="0" smtClean="0"/>
+              <a:t>　（例）最初に書く関数宣言（初めにココだけ書いて、動くことを確認します）</a:t>
+            </a:r>
+            <a:endParaRPr lang="en-US" altLang="ja-JP" sz="1400" dirty="0" smtClean="0"/>
+          </a:p>
+          <a:p>
+            <a:r>
+              <a:rPr lang="ja-JP" altLang="en-US" sz="1400" dirty="0"/>
+              <a:t>　</a:t>
+            </a:r>
+            <a:r>
+              <a:rPr lang="ja-JP" altLang="en-US" sz="1400" dirty="0" smtClean="0"/>
+              <a:t>　</a:t>
+            </a:r>
+            <a:r>
+              <a:rPr lang="en-US" altLang="ja-JP" sz="1400" dirty="0"/>
+              <a:t>      </a:t>
+            </a:r>
+            <a:r>
+              <a:rPr lang="en-US" altLang="ja-JP" sz="1400" dirty="0" smtClean="0"/>
+              <a:t>function</a:t>
+            </a:r>
+            <a:r>
+              <a:rPr lang="en-US" altLang="ja-JP" sz="1400" dirty="0"/>
+              <a:t> </a:t>
+            </a:r>
+            <a:r>
+              <a:rPr lang="en-US" altLang="ja-JP" sz="1400" dirty="0" err="1"/>
+              <a:t>navIdOnePeace</a:t>
+            </a:r>
+            <a:r>
+              <a:rPr lang="en-US" altLang="ja-JP" sz="1400" dirty="0"/>
+              <a:t>(){</a:t>
+            </a:r>
+          </a:p>
+          <a:p>
+            <a:r>
+              <a:rPr lang="en-US" altLang="ja-JP" sz="1400" dirty="0"/>
+              <a:t>                </a:t>
+            </a:r>
+            <a:r>
+              <a:rPr lang="en-US" altLang="ja-JP" sz="1400" dirty="0" err="1"/>
+              <a:t>window.alert</a:t>
+            </a:r>
+            <a:r>
+              <a:rPr lang="en-US" altLang="ja-JP" sz="1400" dirty="0"/>
+              <a:t>( "</a:t>
+            </a:r>
+            <a:r>
+              <a:rPr lang="en-US" altLang="ja-JP" sz="1400" dirty="0" err="1"/>
+              <a:t>oK</a:t>
+            </a:r>
+            <a:r>
+              <a:rPr lang="en-US" altLang="ja-JP" sz="1400" dirty="0"/>
+              <a:t>");</a:t>
+            </a:r>
+          </a:p>
+          <a:p>
+            <a:r>
+              <a:rPr lang="ja-JP" altLang="en-US" sz="1400" dirty="0"/>
+              <a:t>　</a:t>
+            </a:r>
+            <a:r>
+              <a:rPr lang="ja-JP" altLang="en-US" sz="1400" dirty="0" smtClean="0"/>
+              <a:t>　　　</a:t>
+            </a:r>
+            <a:r>
+              <a:rPr lang="en-US" altLang="ja-JP" sz="1400" dirty="0" smtClean="0"/>
+              <a:t>}</a:t>
+            </a:r>
+            <a:endParaRPr lang="en-US" altLang="ja-JP" sz="1400" dirty="0"/>
+          </a:p>
+          <a:p>
+            <a:r>
+              <a:rPr lang="ja-JP" altLang="en-US" sz="1400" dirty="0"/>
+              <a:t>　</a:t>
+            </a:r>
+            <a:r>
+              <a:rPr lang="en-US" altLang="ja-JP" sz="1400" dirty="0" smtClean="0"/>
+              <a:t>※</a:t>
+            </a:r>
+            <a:r>
+              <a:rPr lang="ja-JP" altLang="en-US" sz="1400" dirty="0" smtClean="0"/>
+              <a:t>関数の注意点</a:t>
+            </a:r>
+            <a:endParaRPr lang="en-US" altLang="ja-JP" sz="1400" dirty="0" smtClean="0"/>
+          </a:p>
+          <a:p>
+            <a:r>
+              <a:rPr lang="ja-JP" altLang="en-US" sz="1400" dirty="0"/>
+              <a:t>　</a:t>
+            </a:r>
+            <a:r>
+              <a:rPr lang="ja-JP" altLang="en-US" sz="1400" dirty="0" smtClean="0"/>
+              <a:t>　大文字と小文字は違う文字として扱われる。</a:t>
+            </a:r>
+            <a:endParaRPr lang="en-US" altLang="ja-JP" sz="1400" dirty="0" smtClean="0"/>
+          </a:p>
+          <a:p>
+            <a:r>
+              <a:rPr lang="ja-JP" altLang="en-US" sz="1400" dirty="0"/>
+              <a:t>　</a:t>
+            </a:r>
+            <a:r>
+              <a:rPr lang="ja-JP" altLang="en-US" sz="1400" dirty="0" smtClean="0"/>
+              <a:t>　先頭文字は、数字や記号は使えない。</a:t>
+            </a:r>
+            <a:endParaRPr lang="en-US" altLang="ja-JP" sz="1400" dirty="0"/>
+          </a:p>
+          <a:p>
+            <a:r>
+              <a:rPr lang="ja-JP" altLang="en-US" sz="1400" dirty="0" smtClean="0"/>
+              <a:t>　　　</a:t>
+            </a:r>
+            <a:endParaRPr lang="en-US" altLang="ja-JP" sz="1400" dirty="0"/>
+          </a:p>
+        </p:txBody>
+      </p:sp>
+      <p:graphicFrame>
+        <p:nvGraphicFramePr>
+          <p:cNvPr id="4" name="表 3"/>
+          <p:cNvGraphicFramePr>
+            <a:graphicFrameLocks noGrp="1"/>
+          </p:cNvGraphicFramePr>
+          <p:nvPr>
+            <p:extLst>
+              <p:ext uri="{D42A27DB-BD31-4B8C-83A1-F6EECF244321}">
+                <p14:modId xmlns:p14="http://schemas.microsoft.com/office/powerpoint/2010/main" val="4111817350"/>
+              </p:ext>
+            </p:extLst>
+          </p:nvPr>
+        </p:nvGraphicFramePr>
+        <p:xfrm>
+          <a:off x="340420" y="4376936"/>
+          <a:ext cx="6192688" cy="1447800"/>
+        </p:xfrm>
+        <a:graphic>
+          <a:graphicData uri="http://schemas.openxmlformats.org/drawingml/2006/table">
+            <a:tbl>
+              <a:tblPr firstRow="1" bandRow="1">
+                <a:tableStyleId>{5940675A-B579-460E-94D1-54222C63F5DA}</a:tableStyleId>
+              </a:tblPr>
+              <a:tblGrid>
+                <a:gridCol w="1992977"/>
+                <a:gridCol w="4199711"/>
+              </a:tblGrid>
+              <a:tr h="252000">
+                <a:tc>
+                  <a:txBody>
+                    <a:bodyPr/>
+                    <a:lstStyle/>
+                    <a:p>
+                      <a:r>
+                        <a:rPr kumimoji="1" lang="ja-JP" altLang="en-US" sz="1300" dirty="0" smtClean="0"/>
+                        <a:t>イベントハンドラ名</a:t>
+                      </a:r>
+                      <a:endParaRPr kumimoji="1" lang="en-US" altLang="ja-JP" sz="1300" dirty="0" smtClean="0"/>
+                    </a:p>
+                  </a:txBody>
+                  <a:tcPr/>
+                </a:tc>
+                <a:tc>
+                  <a:txBody>
+                    <a:bodyPr/>
+                    <a:lstStyle/>
+                    <a:p>
+                      <a:r>
+                        <a:rPr kumimoji="1" lang="ja-JP" altLang="en-US" sz="1300" dirty="0" smtClean="0"/>
+                        <a:t>イベントの概要</a:t>
+                      </a:r>
+                      <a:endParaRPr kumimoji="1" lang="ja-JP" altLang="en-US" sz="1300" dirty="0"/>
+                    </a:p>
+                  </a:txBody>
+                  <a:tcPr/>
+                </a:tc>
+              </a:tr>
+              <a:tr h="252000">
+                <a:tc>
+                  <a:txBody>
+                    <a:bodyPr/>
+                    <a:lstStyle/>
+                    <a:p>
+                      <a:r>
+                        <a:rPr kumimoji="1" lang="en-US" altLang="ja-JP" sz="1300" dirty="0" err="1" smtClean="0"/>
+                        <a:t>onclock</a:t>
+                      </a:r>
+                      <a:endParaRPr kumimoji="1" lang="en-US" altLang="ja-JP" sz="1300" dirty="0" smtClean="0"/>
+                    </a:p>
+                  </a:txBody>
+                  <a:tcPr/>
+                </a:tc>
+                <a:tc>
+                  <a:txBody>
+                    <a:bodyPr/>
+                    <a:lstStyle/>
+                    <a:p>
+                      <a:r>
+                        <a:rPr kumimoji="1" lang="ja-JP" altLang="en-US" sz="1300" dirty="0" smtClean="0"/>
+                        <a:t>クリックされたときに実行する</a:t>
+                      </a:r>
+                      <a:endParaRPr kumimoji="1" lang="ja-JP" altLang="en-US" sz="1300" dirty="0"/>
+                    </a:p>
+                  </a:txBody>
+                  <a:tcPr/>
+                </a:tc>
+              </a:tr>
+              <a:tr h="252000">
+                <a:tc>
+                  <a:txBody>
+                    <a:bodyPr/>
+                    <a:lstStyle/>
+                    <a:p>
+                      <a:r>
+                        <a:rPr kumimoji="1" lang="en-US" altLang="ja-JP" sz="1300" dirty="0" err="1" smtClean="0"/>
+                        <a:t>onDblClick</a:t>
+                      </a:r>
+                      <a:endParaRPr kumimoji="1" lang="en-US" altLang="ja-JP" sz="1300" dirty="0" smtClean="0"/>
+                    </a:p>
+                  </a:txBody>
+                  <a:tcPr/>
+                </a:tc>
+                <a:tc>
+                  <a:txBody>
+                    <a:bodyPr/>
+                    <a:lstStyle/>
+                    <a:p>
+                      <a:r>
+                        <a:rPr kumimoji="1" lang="ja-JP" altLang="en-US" sz="1300" dirty="0" smtClean="0"/>
+                        <a:t>ダブルクリックされたときに実行する</a:t>
+                      </a:r>
+                      <a:endParaRPr kumimoji="1" lang="ja-JP" altLang="en-US" sz="1300" dirty="0"/>
+                    </a:p>
+                  </a:txBody>
+                  <a:tcPr/>
+                </a:tc>
+              </a:tr>
+              <a:tr h="252000">
+                <a:tc>
+                  <a:txBody>
+                    <a:bodyPr/>
+                    <a:lstStyle/>
+                    <a:p>
+                      <a:r>
+                        <a:rPr kumimoji="1" lang="en-US" altLang="ja-JP" sz="1300" dirty="0" err="1" smtClean="0"/>
+                        <a:t>onKeyPress</a:t>
+                      </a:r>
+                      <a:endParaRPr kumimoji="1" lang="en-US" altLang="ja-JP" sz="1300" dirty="0" smtClean="0"/>
+                    </a:p>
+                  </a:txBody>
+                  <a:tcPr/>
+                </a:tc>
+                <a:tc>
+                  <a:txBody>
+                    <a:bodyPr/>
+                    <a:lstStyle/>
+                    <a:p>
+                      <a:r>
+                        <a:rPr kumimoji="1" lang="ja-JP" altLang="en-US" sz="1300" dirty="0" smtClean="0"/>
+                        <a:t>キーが押されたときに実行する</a:t>
+                      </a:r>
+                      <a:endParaRPr kumimoji="1" lang="ja-JP" altLang="en-US" sz="1300" dirty="0"/>
+                    </a:p>
+                  </a:txBody>
+                  <a:tcPr/>
+                </a:tc>
+              </a:tr>
+              <a:tr h="252000">
+                <a:tc>
+                  <a:txBody>
+                    <a:bodyPr/>
+                    <a:lstStyle/>
+                    <a:p>
+                      <a:r>
+                        <a:rPr kumimoji="1" lang="en-US" altLang="ja-JP" sz="1300" dirty="0" err="1" smtClean="0"/>
+                        <a:t>onMouseDown</a:t>
+                      </a:r>
+                      <a:endParaRPr kumimoji="1" lang="en-US" altLang="ja-JP" sz="1300" dirty="0" smtClean="0"/>
+                    </a:p>
+                  </a:txBody>
+                  <a:tcPr/>
+                </a:tc>
+                <a:tc>
+                  <a:txBody>
+                    <a:bodyPr/>
+                    <a:lstStyle/>
+                    <a:p>
+                      <a:r>
+                        <a:rPr kumimoji="1" lang="ja-JP" altLang="en-US" sz="1300" dirty="0" smtClean="0"/>
+                        <a:t>マウスが押されたときに実行する</a:t>
+                      </a:r>
+                      <a:endParaRPr kumimoji="1" lang="ja-JP" altLang="en-US" sz="1300" dirty="0"/>
+                    </a:p>
+                  </a:txBody>
+                  <a:tcPr/>
+                </a:tc>
+              </a:tr>
+            </a:tbl>
+          </a:graphicData>
+        </a:graphic>
+      </p:graphicFrame>
     </p:spTree>
     <p:extLst>
       <p:ext uri="{BB962C8B-B14F-4D97-AF65-F5344CB8AC3E}">
         <p14:creationId xmlns:p14="http://schemas.microsoft.com/office/powerpoint/2010/main" val="3479122491"/>
+      </p:ext>
+    </p:extLst>
+  </p:cSld>
+  <p:clrMapOvr>
+    <a:masterClrMapping/>
+  </p:clrMapOvr>
+</p:sld>
+</file>
+
+<file path=ppt/slides/slide4.xml><?xml version="1.0" encoding="utf-8"?>
+<p:sld xmlns:a="http://schemas.openxmlformats.org/drawingml/2006/main" xmlns:r="http://schemas.openxmlformats.org/officeDocument/2006/relationships" xmlns:p="http://schemas.openxmlformats.org/presentationml/2006/main">
+  <p:cSld>
+    <p:spTree>
+      <p:nvGrpSpPr>
+        <p:cNvPr id="1" name=""/>
+        <p:cNvGrpSpPr/>
+        <p:nvPr/>
+      </p:nvGrpSpPr>
+      <p:grpSpPr>
+        <a:xfrm>
+          <a:off x="0" y="0"/>
+          <a:ext cx="0" cy="0"/>
+          <a:chOff x="0" y="0"/>
+          <a:chExt cx="0" cy="0"/>
+        </a:xfrm>
+      </p:grpSpPr>
+      <p:sp>
+        <p:nvSpPr>
+          <p:cNvPr id="2" name="テキスト ボックス 1"/>
+          <p:cNvSpPr txBox="1"/>
+          <p:nvPr/>
+        </p:nvSpPr>
+        <p:spPr>
+          <a:xfrm>
+            <a:off x="116632" y="87814"/>
+            <a:ext cx="6624736" cy="369332"/>
+          </a:xfrm>
+          <a:prstGeom prst="rect">
+            <a:avLst/>
+          </a:prstGeom>
+          <a:solidFill>
+            <a:schemeClr val="accent6">
+              <a:lumMod val="20000"/>
+              <a:lumOff val="80000"/>
+            </a:schemeClr>
+          </a:solidFill>
+        </p:spPr>
+        <p:txBody>
+          <a:bodyPr wrap="square" rtlCol="0">
+            <a:spAutoFit/>
+          </a:bodyPr>
+          <a:lstStyle/>
+          <a:p>
+            <a:r>
+              <a:rPr kumimoji="1" lang="ja-JP" altLang="en-US" dirty="0" smtClean="0"/>
+              <a:t>博多高校　土曜講座　</a:t>
+            </a:r>
+            <a:r>
+              <a:rPr kumimoji="1" lang="en-US" altLang="ja-JP" dirty="0" smtClean="0"/>
+              <a:t>WEB</a:t>
+            </a:r>
+            <a:r>
+              <a:rPr kumimoji="1" lang="ja-JP" altLang="en-US" dirty="0" smtClean="0"/>
+              <a:t>ページのアクセス</a:t>
+            </a:r>
+            <a:endParaRPr kumimoji="1" lang="ja-JP" altLang="en-US" dirty="0"/>
+          </a:p>
+        </p:txBody>
+      </p:sp>
+      <p:sp>
+        <p:nvSpPr>
+          <p:cNvPr id="3" name="テキスト ボックス 2"/>
+          <p:cNvSpPr txBox="1"/>
+          <p:nvPr/>
+        </p:nvSpPr>
+        <p:spPr>
+          <a:xfrm>
+            <a:off x="132160" y="457145"/>
+            <a:ext cx="6609208" cy="8710077"/>
+          </a:xfrm>
+          <a:prstGeom prst="rect">
+            <a:avLst/>
+          </a:prstGeom>
+          <a:noFill/>
+        </p:spPr>
+        <p:txBody>
+          <a:bodyPr wrap="square" rtlCol="0">
+            <a:spAutoFit/>
+          </a:bodyPr>
+          <a:lstStyle/>
+          <a:p>
+            <a:r>
+              <a:rPr lang="ja-JP" altLang="en-US" sz="1400" dirty="0" smtClean="0"/>
+              <a:t>■セレクタ</a:t>
+            </a:r>
+            <a:endParaRPr lang="en-US" altLang="ja-JP" sz="1400" dirty="0" smtClean="0"/>
+          </a:p>
+          <a:p>
+            <a:r>
+              <a:rPr lang="ja-JP" altLang="en-US" sz="1400" dirty="0"/>
+              <a:t>　</a:t>
+            </a:r>
+            <a:r>
+              <a:rPr lang="en-US" altLang="ja-JP" sz="1400" dirty="0" smtClean="0"/>
+              <a:t>WEB</a:t>
+            </a:r>
+            <a:r>
+              <a:rPr lang="ja-JP" altLang="en-US" sz="1400" dirty="0" smtClean="0"/>
+              <a:t>ページのデザインを決定するには、様々なタグで要素を指定することになる。</a:t>
+            </a:r>
+            <a:endParaRPr lang="en-US" altLang="ja-JP" sz="1400" dirty="0" smtClean="0"/>
+          </a:p>
+          <a:p>
+            <a:r>
+              <a:rPr lang="ja-JP" altLang="en-US" sz="1400" dirty="0"/>
+              <a:t>　</a:t>
+            </a:r>
+            <a:r>
+              <a:rPr lang="ja-JP" altLang="en-US" sz="1400" dirty="0" smtClean="0"/>
+              <a:t>要素を指定するのに、タグだけで自由に指定をすることは難しい。</a:t>
+            </a:r>
+            <a:endParaRPr lang="en-US" altLang="ja-JP" sz="1400" dirty="0" smtClean="0"/>
+          </a:p>
+          <a:p>
+            <a:r>
+              <a:rPr lang="ja-JP" altLang="en-US" sz="1400" dirty="0"/>
+              <a:t>　</a:t>
+            </a:r>
+            <a:r>
+              <a:rPr lang="en-US" altLang="ja-JP" sz="1400" dirty="0" smtClean="0"/>
+              <a:t>HTML</a:t>
+            </a:r>
+            <a:r>
+              <a:rPr lang="ja-JP" altLang="en-US" sz="1400" dirty="0" smtClean="0"/>
+              <a:t>ファイルの中に</a:t>
+            </a:r>
+            <a:r>
+              <a:rPr lang="en-US" altLang="ja-JP" sz="1400" dirty="0" smtClean="0"/>
+              <a:t>1</a:t>
+            </a:r>
+            <a:r>
+              <a:rPr lang="ja-JP" altLang="en-US" sz="1400" dirty="0" smtClean="0"/>
+              <a:t>か所だけに名前を付けるためには</a:t>
+            </a:r>
+            <a:r>
+              <a:rPr lang="en-US" altLang="ja-JP" sz="1400" dirty="0" smtClean="0"/>
+              <a:t>ID</a:t>
+            </a:r>
+            <a:r>
+              <a:rPr lang="ja-JP" altLang="en-US" sz="1400" dirty="0" smtClean="0"/>
+              <a:t>という属性を使用する</a:t>
+            </a:r>
+            <a:endParaRPr lang="en-US" altLang="ja-JP" sz="1400" dirty="0" smtClean="0"/>
+          </a:p>
+          <a:p>
+            <a:r>
+              <a:rPr lang="ja-JP" altLang="en-US" sz="1400" dirty="0"/>
+              <a:t>　</a:t>
+            </a:r>
+            <a:r>
+              <a:rPr lang="en-US" altLang="ja-JP" sz="1400" dirty="0" smtClean="0"/>
+              <a:t>HTML</a:t>
+            </a:r>
+            <a:r>
+              <a:rPr lang="ja-JP" altLang="en-US" sz="1400" dirty="0" smtClean="0"/>
+              <a:t>ファイルの複数箇所を指定するのに使用するには、</a:t>
+            </a:r>
+            <a:r>
+              <a:rPr lang="en-US" altLang="ja-JP" sz="1400" dirty="0" smtClean="0"/>
+              <a:t>Class</a:t>
+            </a:r>
+            <a:r>
+              <a:rPr lang="ja-JP" altLang="en-US" sz="1400" dirty="0" smtClean="0"/>
+              <a:t>という属性を使用する</a:t>
+            </a:r>
+            <a:endParaRPr lang="en-US" altLang="ja-JP" sz="1400" dirty="0" smtClean="0"/>
+          </a:p>
+          <a:p>
+            <a:r>
+              <a:rPr lang="ja-JP" altLang="en-US" sz="1400" dirty="0"/>
+              <a:t>　</a:t>
+            </a:r>
+            <a:r>
+              <a:rPr lang="ja-JP" altLang="en-US" sz="1400" dirty="0" smtClean="0"/>
+              <a:t>タグの名前、</a:t>
+            </a:r>
+            <a:r>
+              <a:rPr lang="en-US" altLang="ja-JP" sz="1400" dirty="0" smtClean="0"/>
+              <a:t>ID</a:t>
+            </a:r>
+            <a:r>
+              <a:rPr lang="ja-JP" altLang="en-US" sz="1400" dirty="0" smtClean="0"/>
+              <a:t>で付ける名前、</a:t>
+            </a:r>
+            <a:r>
+              <a:rPr lang="en-US" altLang="ja-JP" sz="1400" dirty="0" smtClean="0"/>
+              <a:t>Class</a:t>
+            </a:r>
+            <a:r>
+              <a:rPr lang="ja-JP" altLang="en-US" sz="1400" dirty="0" smtClean="0"/>
+              <a:t>で付ける名前をまとめて、</a:t>
+            </a:r>
+            <a:r>
+              <a:rPr lang="ja-JP" altLang="en-US" sz="1400" b="1" u="sng" dirty="0" smtClean="0"/>
+              <a:t>セレクタ</a:t>
+            </a:r>
+            <a:r>
+              <a:rPr lang="ja-JP" altLang="en-US" sz="1400" dirty="0" smtClean="0"/>
+              <a:t>という</a:t>
+            </a:r>
+            <a:endParaRPr lang="en-US" altLang="ja-JP" sz="1400" dirty="0" smtClean="0"/>
+          </a:p>
+          <a:p>
+            <a:r>
+              <a:rPr lang="ja-JP" altLang="en-US" sz="1400" dirty="0" smtClean="0"/>
+              <a:t>　</a:t>
+            </a:r>
+            <a:r>
+              <a:rPr lang="en-US" altLang="ja-JP" sz="1400" dirty="0" smtClean="0"/>
+              <a:t>ID</a:t>
+            </a:r>
+            <a:r>
+              <a:rPr lang="ja-JP" altLang="en-US" sz="1400" dirty="0" smtClean="0"/>
+              <a:t>でつけられた名前は先頭に「</a:t>
+            </a:r>
+            <a:r>
+              <a:rPr lang="en-US" altLang="ja-JP" sz="1400" dirty="0" smtClean="0"/>
+              <a:t>#</a:t>
+            </a:r>
+            <a:r>
+              <a:rPr lang="ja-JP" altLang="en-US" sz="1400" dirty="0" smtClean="0"/>
+              <a:t>」を、</a:t>
+            </a:r>
+            <a:r>
+              <a:rPr lang="en-US" altLang="ja-JP" sz="1400" dirty="0" smtClean="0"/>
+              <a:t>class</a:t>
+            </a:r>
+            <a:r>
+              <a:rPr lang="ja-JP" altLang="en-US" sz="1400" dirty="0" err="1" smtClean="0"/>
+              <a:t>でつけれら</a:t>
+            </a:r>
+            <a:r>
+              <a:rPr lang="ja-JP" altLang="en-US" sz="1400" dirty="0" err="1" smtClean="0"/>
+              <a:t>た</a:t>
+            </a:r>
+            <a:r>
+              <a:rPr lang="ja-JP" altLang="en-US" sz="1400" dirty="0" smtClean="0"/>
+              <a:t>名前には「</a:t>
+            </a:r>
+            <a:r>
+              <a:rPr lang="en-US" altLang="ja-JP" sz="1400" dirty="0" smtClean="0"/>
+              <a:t>.</a:t>
+            </a:r>
+            <a:r>
+              <a:rPr lang="ja-JP" altLang="en-US" sz="1400" dirty="0" smtClean="0"/>
+              <a:t>」を付ける。</a:t>
+            </a:r>
+            <a:endParaRPr lang="en-US" altLang="ja-JP" sz="1400" dirty="0" smtClean="0"/>
+          </a:p>
+          <a:p>
+            <a:r>
+              <a:rPr lang="ja-JP" altLang="en-US" sz="1400" dirty="0"/>
+              <a:t>　</a:t>
+            </a:r>
+            <a:r>
+              <a:rPr lang="ja-JP" altLang="en-US" sz="1400" dirty="0" smtClean="0"/>
+              <a:t>例）</a:t>
+            </a:r>
+            <a:endParaRPr lang="en-US" altLang="ja-JP" sz="1400" dirty="0" smtClean="0"/>
+          </a:p>
+          <a:p>
+            <a:r>
+              <a:rPr lang="ja-JP" altLang="en-US" sz="1400" dirty="0"/>
+              <a:t>　</a:t>
+            </a:r>
+            <a:r>
+              <a:rPr lang="ja-JP" altLang="en-US" sz="1400" dirty="0" smtClean="0"/>
+              <a:t>　　</a:t>
+            </a:r>
+            <a:r>
+              <a:rPr lang="en-US" altLang="ja-JP" sz="1400" dirty="0" smtClean="0"/>
+              <a:t>&lt;</a:t>
+            </a:r>
+            <a:r>
+              <a:rPr lang="ja-JP" altLang="en-US" sz="1400" dirty="0" smtClean="0"/>
+              <a:t>タグ　</a:t>
+            </a:r>
+            <a:r>
+              <a:rPr lang="en-US" altLang="ja-JP" sz="1400" dirty="0" smtClean="0"/>
+              <a:t>ID=“ID</a:t>
+            </a:r>
+            <a:r>
+              <a:rPr lang="ja-JP" altLang="en-US" sz="1400" dirty="0" smtClean="0"/>
+              <a:t>名</a:t>
+            </a:r>
+            <a:r>
+              <a:rPr lang="en-US" altLang="ja-JP" sz="1400" dirty="0" smtClean="0"/>
+              <a:t>”</a:t>
+            </a:r>
+            <a:r>
+              <a:rPr lang="ja-JP" altLang="en-US" sz="1400" dirty="0" smtClean="0"/>
+              <a:t>　　</a:t>
+            </a:r>
+            <a:r>
+              <a:rPr lang="en-US" altLang="ja-JP" sz="1400" dirty="0" smtClean="0"/>
+              <a:t>class=“class</a:t>
+            </a:r>
+            <a:r>
+              <a:rPr lang="ja-JP" altLang="en-US" sz="1400" dirty="0" smtClean="0"/>
+              <a:t>名</a:t>
+            </a:r>
+            <a:r>
+              <a:rPr lang="en-US" altLang="ja-JP" sz="1400" dirty="0" smtClean="0"/>
+              <a:t>”</a:t>
+            </a:r>
+            <a:r>
+              <a:rPr lang="ja-JP" altLang="en-US" sz="1400" dirty="0"/>
+              <a:t> </a:t>
+            </a:r>
+            <a:r>
+              <a:rPr lang="en-US" altLang="ja-JP" sz="1400" dirty="0" smtClean="0"/>
+              <a:t>&gt;</a:t>
+            </a:r>
+            <a:r>
+              <a:rPr lang="ja-JP" altLang="en-US" sz="1400" dirty="0" smtClean="0"/>
+              <a:t>　　～　</a:t>
+            </a:r>
+            <a:r>
+              <a:rPr lang="en-US" altLang="ja-JP" sz="1400" dirty="0" smtClean="0"/>
+              <a:t>&lt;/</a:t>
+            </a:r>
+            <a:r>
+              <a:rPr lang="ja-JP" altLang="en-US" sz="1400" dirty="0" smtClean="0"/>
+              <a:t>タグ</a:t>
+            </a:r>
+            <a:r>
+              <a:rPr lang="en-US" altLang="ja-JP" sz="1400" dirty="0" smtClean="0"/>
+              <a:t>&gt;</a:t>
+            </a:r>
+          </a:p>
+          <a:p>
+            <a:endParaRPr lang="en-US" altLang="ja-JP" sz="1400" dirty="0"/>
+          </a:p>
+          <a:p>
+            <a:r>
+              <a:rPr lang="ja-JP" altLang="en-US" sz="1400" dirty="0" smtClean="0"/>
+              <a:t>■セレクタとデザイン</a:t>
+            </a:r>
+            <a:endParaRPr lang="en-US" altLang="ja-JP" sz="1400" dirty="0"/>
+          </a:p>
+          <a:p>
+            <a:r>
+              <a:rPr lang="ja-JP" altLang="en-US" sz="1400" dirty="0" smtClean="0"/>
+              <a:t>　</a:t>
+            </a:r>
+            <a:r>
+              <a:rPr lang="en-US" altLang="ja-JP" sz="1400" dirty="0" smtClean="0"/>
+              <a:t>&lt;style&gt;</a:t>
+            </a:r>
+            <a:r>
+              <a:rPr lang="ja-JP" altLang="en-US" sz="1400" dirty="0" smtClean="0"/>
+              <a:t>　～　</a:t>
+            </a:r>
+            <a:r>
+              <a:rPr lang="en-US" altLang="ja-JP" sz="1400" dirty="0" smtClean="0"/>
+              <a:t>&lt;/style&gt;</a:t>
+            </a:r>
+            <a:r>
+              <a:rPr lang="ja-JP" altLang="en-US" sz="1400" dirty="0" smtClean="0"/>
+              <a:t>の間には、</a:t>
+            </a:r>
+            <a:r>
+              <a:rPr lang="en-US" altLang="ja-JP" sz="1400" dirty="0" smtClean="0"/>
+              <a:t>CSS</a:t>
+            </a:r>
+            <a:r>
+              <a:rPr lang="ja-JP" altLang="en-US" sz="1400" dirty="0" smtClean="0"/>
+              <a:t>という書き方に従って、</a:t>
+            </a:r>
+            <a:r>
+              <a:rPr lang="ja-JP" altLang="en-US" sz="1400" dirty="0"/>
+              <a:t>デザインを記述</a:t>
+            </a:r>
+            <a:r>
+              <a:rPr lang="ja-JP" altLang="en-US" sz="1400" dirty="0" smtClean="0"/>
+              <a:t>する。</a:t>
+            </a:r>
+            <a:endParaRPr lang="en-US" altLang="ja-JP" sz="1400" dirty="0" smtClean="0"/>
+          </a:p>
+          <a:p>
+            <a:r>
+              <a:rPr lang="ja-JP" altLang="en-US" sz="1400" dirty="0"/>
+              <a:t>　</a:t>
+            </a:r>
+            <a:r>
+              <a:rPr lang="ja-JP" altLang="en-US" sz="1400" dirty="0" smtClean="0"/>
+              <a:t>デザインの書き方は、次の通り。</a:t>
+            </a:r>
+            <a:endParaRPr lang="en-US" altLang="ja-JP" sz="1400" dirty="0" smtClean="0"/>
+          </a:p>
+          <a:p>
+            <a:endParaRPr lang="en-US" altLang="ja-JP" sz="1400" dirty="0"/>
+          </a:p>
+          <a:p>
+            <a:r>
+              <a:rPr lang="ja-JP" altLang="en-US" sz="1400" dirty="0" smtClean="0"/>
+              <a:t>　セレクタ　｛</a:t>
+            </a:r>
+            <a:endParaRPr lang="en-US" altLang="ja-JP" sz="1400" dirty="0" smtClean="0"/>
+          </a:p>
+          <a:p>
+            <a:r>
+              <a:rPr lang="ja-JP" altLang="en-US" sz="1400" dirty="0"/>
+              <a:t>　</a:t>
+            </a:r>
+            <a:r>
+              <a:rPr lang="ja-JP" altLang="en-US" sz="1400" dirty="0" smtClean="0"/>
+              <a:t>　　　プロパティ名　　：　　　値；</a:t>
+            </a:r>
+            <a:endParaRPr lang="en-US" altLang="ja-JP" sz="1400" dirty="0" smtClean="0"/>
+          </a:p>
+          <a:p>
+            <a:r>
+              <a:rPr lang="ja-JP" altLang="en-US" sz="1400" dirty="0"/>
+              <a:t>　</a:t>
+            </a:r>
+            <a:r>
+              <a:rPr lang="ja-JP" altLang="en-US" sz="1400" dirty="0" smtClean="0"/>
+              <a:t>｝</a:t>
+            </a:r>
+            <a:endParaRPr lang="en-US" altLang="ja-JP" sz="1400" dirty="0" smtClean="0"/>
+          </a:p>
+          <a:p>
+            <a:endParaRPr lang="en-US" altLang="ja-JP" sz="1400" dirty="0"/>
+          </a:p>
+          <a:p>
+            <a:r>
+              <a:rPr lang="ja-JP" altLang="en-US" sz="1400" dirty="0" smtClean="0"/>
+              <a:t>　例）</a:t>
+            </a:r>
+            <a:endParaRPr lang="en-US" altLang="ja-JP" sz="1400" dirty="0" smtClean="0"/>
+          </a:p>
+          <a:p>
+            <a:r>
+              <a:rPr lang="ja-JP" altLang="en-US" sz="1400" dirty="0"/>
+              <a:t>　　</a:t>
+            </a:r>
+            <a:r>
+              <a:rPr lang="ja-JP" altLang="en-US" sz="1400" dirty="0" smtClean="0"/>
+              <a:t>セレクタ：「</a:t>
+            </a:r>
+            <a:r>
+              <a:rPr lang="en-US" altLang="ja-JP" sz="1400" dirty="0" smtClean="0"/>
+              <a:t>H1</a:t>
+            </a:r>
+            <a:r>
+              <a:rPr lang="ja-JP" altLang="en-US" sz="1400" dirty="0" smtClean="0"/>
+              <a:t>」タグ、背景色を「赤」にデザインする。</a:t>
+            </a:r>
+            <a:endParaRPr lang="en-US" altLang="ja-JP" sz="1400" dirty="0" smtClean="0"/>
+          </a:p>
+          <a:p>
+            <a:r>
+              <a:rPr lang="ja-JP" altLang="en-US" sz="1400" dirty="0"/>
+              <a:t>　</a:t>
+            </a:r>
+            <a:r>
+              <a:rPr lang="ja-JP" altLang="en-US" sz="1400" dirty="0" smtClean="0"/>
+              <a:t>　</a:t>
+            </a:r>
+            <a:r>
+              <a:rPr lang="en-US" altLang="ja-JP" sz="1400" dirty="0" smtClean="0"/>
+              <a:t>H1 </a:t>
+            </a:r>
+            <a:r>
+              <a:rPr lang="ja-JP" altLang="en-US" sz="1400" dirty="0" smtClean="0"/>
+              <a:t>｛</a:t>
+            </a:r>
+            <a:endParaRPr lang="en-US" altLang="ja-JP" sz="1400" dirty="0" smtClean="0"/>
+          </a:p>
+          <a:p>
+            <a:r>
+              <a:rPr lang="ja-JP" altLang="en-US" sz="1400" dirty="0"/>
+              <a:t>　</a:t>
+            </a:r>
+            <a:r>
+              <a:rPr lang="ja-JP" altLang="en-US" sz="1400" dirty="0" smtClean="0"/>
+              <a:t>　　　</a:t>
+            </a:r>
+            <a:r>
+              <a:rPr lang="en-US" altLang="ja-JP" sz="1400" dirty="0" smtClean="0"/>
+              <a:t>background-color : red; </a:t>
+            </a:r>
+          </a:p>
+          <a:p>
+            <a:r>
+              <a:rPr lang="en-US" altLang="ja-JP" sz="1400" dirty="0" smtClean="0"/>
+              <a:t>     }</a:t>
+            </a:r>
+          </a:p>
+          <a:p>
+            <a:endParaRPr lang="en-US" altLang="ja-JP" sz="1400" dirty="0" smtClean="0"/>
+          </a:p>
+          <a:p>
+            <a:r>
+              <a:rPr lang="ja-JP" altLang="en-US" sz="1400" dirty="0" smtClean="0"/>
+              <a:t>■プログラムによるデザイン変更</a:t>
+            </a:r>
+            <a:endParaRPr lang="en-US" altLang="ja-JP" sz="1400" dirty="0" smtClean="0"/>
+          </a:p>
+          <a:p>
+            <a:r>
+              <a:rPr lang="ja-JP" altLang="en-US" sz="1400" dirty="0"/>
+              <a:t>　</a:t>
+            </a:r>
+            <a:r>
+              <a:rPr lang="ja-JP" altLang="en-US" sz="1400" dirty="0" smtClean="0"/>
+              <a:t>プログラムで、デザイン変更を行う場合には、セレクタで要素を取出し、その要素に</a:t>
+            </a:r>
+            <a:endParaRPr lang="en-US" altLang="ja-JP" sz="1400" dirty="0" smtClean="0"/>
+          </a:p>
+          <a:p>
+            <a:r>
+              <a:rPr lang="ja-JP" altLang="en-US" sz="1400" dirty="0" smtClean="0"/>
+              <a:t>対して設定を行う。このため、デザイン変更の対象となるものについては</a:t>
+            </a:r>
+            <a:r>
+              <a:rPr lang="en-US" altLang="ja-JP" sz="1400" dirty="0" smtClean="0"/>
+              <a:t>ID</a:t>
+            </a:r>
+            <a:r>
+              <a:rPr lang="ja-JP" altLang="en-US" sz="1400" dirty="0" smtClean="0"/>
+              <a:t>属性を付</a:t>
+            </a:r>
+            <a:endParaRPr lang="en-US" altLang="ja-JP" sz="1400" dirty="0" smtClean="0"/>
+          </a:p>
+          <a:p>
+            <a:r>
+              <a:rPr lang="ja-JP" altLang="en-US" sz="1400" dirty="0"/>
+              <a:t>ルことが</a:t>
+            </a:r>
+            <a:r>
+              <a:rPr lang="ja-JP" altLang="en-US" sz="1400" dirty="0" smtClean="0"/>
+              <a:t>必要。</a:t>
+            </a:r>
+            <a:endParaRPr lang="en-US" altLang="ja-JP" sz="1400" dirty="0" smtClean="0"/>
+          </a:p>
+          <a:p>
+            <a:r>
+              <a:rPr lang="ja-JP" altLang="en-US" sz="1400" dirty="0" smtClean="0"/>
+              <a:t>　例）</a:t>
+            </a:r>
+            <a:endParaRPr lang="en-US" altLang="ja-JP" sz="1400" dirty="0" smtClean="0"/>
+          </a:p>
+          <a:p>
+            <a:r>
+              <a:rPr lang="ja-JP" altLang="en-US" sz="1400" dirty="0" smtClean="0"/>
+              <a:t>　　</a:t>
+            </a:r>
+            <a:r>
+              <a:rPr lang="en-US" altLang="ja-JP" sz="1400" dirty="0" smtClean="0"/>
+              <a:t>let  item = </a:t>
+            </a:r>
+            <a:r>
+              <a:rPr lang="en-US" altLang="ja-JP" sz="1400" dirty="0" err="1" smtClean="0"/>
+              <a:t>document.getElementById</a:t>
+            </a:r>
+            <a:r>
+              <a:rPr lang="en-US" altLang="ja-JP" sz="1400" dirty="0" smtClean="0"/>
+              <a:t>(  ID</a:t>
+            </a:r>
+            <a:r>
+              <a:rPr lang="ja-JP" altLang="en-US" sz="1400" dirty="0" smtClean="0"/>
+              <a:t>セレクタ名 </a:t>
+            </a:r>
+            <a:r>
+              <a:rPr lang="en-US" altLang="ja-JP" sz="1400" dirty="0" smtClean="0"/>
+              <a:t>);</a:t>
+            </a:r>
+          </a:p>
+          <a:p>
+            <a:r>
+              <a:rPr lang="ja-JP" altLang="en-US" sz="1400" dirty="0"/>
+              <a:t>　</a:t>
+            </a:r>
+            <a:r>
+              <a:rPr lang="ja-JP" altLang="en-US" sz="1400" dirty="0" smtClean="0"/>
+              <a:t>　</a:t>
+            </a:r>
+            <a:r>
+              <a:rPr lang="en-US" altLang="ja-JP" sz="1400" dirty="0" smtClean="0"/>
+              <a:t>item. Style.</a:t>
+            </a:r>
+            <a:r>
+              <a:rPr lang="ja-JP" altLang="en-US" sz="1400" dirty="0" smtClean="0"/>
+              <a:t>プロパティ　</a:t>
+            </a:r>
+            <a:r>
+              <a:rPr lang="en-US" altLang="ja-JP" sz="1400" dirty="0" smtClean="0"/>
+              <a:t>=</a:t>
+            </a:r>
+            <a:r>
+              <a:rPr lang="ja-JP" altLang="en-US" sz="1400" dirty="0" smtClean="0"/>
+              <a:t>　設定値　；</a:t>
+            </a:r>
+            <a:endParaRPr lang="en-US" altLang="ja-JP" sz="1400" dirty="0" smtClean="0"/>
+          </a:p>
+          <a:p>
+            <a:r>
+              <a:rPr lang="ja-JP" altLang="en-US" sz="1400" dirty="0"/>
+              <a:t>　</a:t>
+            </a:r>
+            <a:r>
+              <a:rPr lang="ja-JP" altLang="en-US" sz="1400" dirty="0" smtClean="0"/>
+              <a:t>　</a:t>
+            </a:r>
+            <a:endParaRPr lang="en-US" altLang="ja-JP" sz="1400" dirty="0" smtClean="0"/>
+          </a:p>
+          <a:p>
+            <a:r>
+              <a:rPr lang="ja-JP" altLang="en-US" sz="1400" dirty="0"/>
+              <a:t>　</a:t>
+            </a:r>
+            <a:r>
+              <a:rPr lang="ja-JP" altLang="en-US" sz="1400" dirty="0" smtClean="0"/>
+              <a:t>　プロパティは、</a:t>
+            </a:r>
+            <a:r>
+              <a:rPr lang="en-US" altLang="ja-JP" sz="1400" dirty="0" smtClean="0"/>
+              <a:t>CSS</a:t>
+            </a:r>
+            <a:r>
+              <a:rPr lang="ja-JP" altLang="en-US" sz="1400" dirty="0" smtClean="0"/>
+              <a:t>のデザイン項目</a:t>
+            </a:r>
+            <a:endParaRPr lang="en-US" altLang="ja-JP" sz="1400" dirty="0" smtClean="0"/>
+          </a:p>
+          <a:p>
+            <a:r>
+              <a:rPr lang="ja-JP" altLang="en-US" sz="1400" dirty="0"/>
+              <a:t>　</a:t>
+            </a:r>
+            <a:r>
+              <a:rPr lang="ja-JP" altLang="en-US" sz="1400" dirty="0" smtClean="0"/>
+              <a:t>　設定値は、プロパティ名に応じて変わる</a:t>
+            </a:r>
+            <a:endParaRPr lang="en-US" altLang="ja-JP" sz="1400" dirty="0" smtClean="0"/>
+          </a:p>
+          <a:p>
+            <a:endParaRPr lang="en-US" altLang="ja-JP" sz="1400" dirty="0"/>
+          </a:p>
+          <a:p>
+            <a:r>
+              <a:rPr lang="ja-JP" altLang="en-US" sz="1400" dirty="0" smtClean="0"/>
+              <a:t>　　プロパティ：　</a:t>
+            </a:r>
+            <a:r>
+              <a:rPr lang="en-US" altLang="ja-JP" sz="1400" dirty="0" err="1" smtClean="0"/>
+              <a:t>displapy</a:t>
+            </a:r>
+            <a:endParaRPr lang="en-US" altLang="ja-JP" sz="1400" dirty="0" smtClean="0"/>
+          </a:p>
+          <a:p>
+            <a:r>
+              <a:rPr lang="ja-JP" altLang="en-US" sz="1400" dirty="0"/>
+              <a:t>　</a:t>
+            </a:r>
+            <a:r>
+              <a:rPr lang="ja-JP" altLang="en-US" sz="1400" dirty="0" smtClean="0"/>
+              <a:t>　設定値：　　　</a:t>
+            </a:r>
+            <a:r>
+              <a:rPr lang="en-US" altLang="ja-JP" sz="1400" dirty="0" smtClean="0"/>
+              <a:t>block</a:t>
+            </a:r>
+            <a:r>
+              <a:rPr lang="ja-JP" altLang="en-US" sz="1400" dirty="0" smtClean="0"/>
+              <a:t>（表示）</a:t>
+            </a:r>
+            <a:endParaRPr lang="en-US" altLang="ja-JP" sz="1400" dirty="0" smtClean="0"/>
+          </a:p>
+          <a:p>
+            <a:r>
+              <a:rPr lang="ja-JP" altLang="en-US" sz="1400" dirty="0"/>
+              <a:t>　</a:t>
+            </a:r>
+            <a:r>
+              <a:rPr lang="ja-JP" altLang="en-US" sz="1400" dirty="0" smtClean="0"/>
+              <a:t>　　　　　　　　　 </a:t>
+            </a:r>
+            <a:r>
+              <a:rPr lang="en-US" altLang="ja-JP" sz="1400" dirty="0" smtClean="0"/>
+              <a:t>none</a:t>
+            </a:r>
+            <a:r>
+              <a:rPr lang="ja-JP" altLang="en-US" sz="1400" dirty="0" smtClean="0"/>
+              <a:t>（非表示）</a:t>
+            </a:r>
+            <a:endParaRPr lang="en-US" altLang="ja-JP" sz="1400" dirty="0" smtClean="0"/>
+          </a:p>
+          <a:p>
+            <a:r>
+              <a:rPr lang="ja-JP" altLang="en-US" sz="1400" dirty="0" smtClean="0"/>
+              <a:t>　</a:t>
+            </a:r>
+            <a:endParaRPr lang="en-US" altLang="ja-JP" sz="1400" dirty="0" smtClean="0"/>
+          </a:p>
+          <a:p>
+            <a:endParaRPr lang="en-US" altLang="ja-JP" sz="1400" dirty="0" smtClean="0"/>
+          </a:p>
+        </p:txBody>
+      </p:sp>
+    </p:spTree>
+    <p:extLst>
+      <p:ext uri="{BB962C8B-B14F-4D97-AF65-F5344CB8AC3E}">
+        <p14:creationId xmlns:p14="http://schemas.microsoft.com/office/powerpoint/2010/main" val="86394341"/>
       </p:ext>
     </p:extLst>
   </p:cSld>
